--- a/Презентация.pptx
+++ b/Презентация.pptx
@@ -5,7 +5,7 @@
     <p:sldMasterId id="2147483756" r:id="rId1"/>
   </p:sldMasterIdLst>
   <p:notesMasterIdLst>
-    <p:notesMasterId r:id="rId14"/>
+    <p:notesMasterId r:id="rId18"/>
   </p:notesMasterIdLst>
   <p:sldIdLst>
     <p:sldId id="256" r:id="rId2"/>
@@ -20,6 +20,10 @@
     <p:sldId id="264" r:id="rId11"/>
     <p:sldId id="265" r:id="rId12"/>
     <p:sldId id="266" r:id="rId13"/>
+    <p:sldId id="268" r:id="rId14"/>
+    <p:sldId id="270" r:id="rId15"/>
+    <p:sldId id="269" r:id="rId16"/>
+    <p:sldId id="271" r:id="rId17"/>
   </p:sldIdLst>
   <p:sldSz cx="9144000" cy="6858000" type="screen4x3"/>
   <p:notesSz cx="6858000" cy="9144000"/>
@@ -204,7 +208,7 @@
             <a:fld id="{9DD6356B-D9B9-43A1-B977-22C72EF709ED}" type="datetimeFigureOut">
               <a:rPr lang="ru-RU" smtClean="0"/>
               <a:pPr/>
-              <a:t>17.06.2017</a:t>
+              <a:t>19.06.2017</a:t>
             </a:fld>
             <a:endParaRPr lang="ru-RU"/>
           </a:p>
@@ -538,6 +542,88 @@
             <a:fld id="{6D2F237C-E637-4850-A45E-C625AD4CF8DE}" type="slidenum">
               <a:rPr lang="ru-RU" smtClean="0"/>
               <a:pPr/>
+              <a:t>4</a:t>
+            </a:fld>
+            <a:endParaRPr lang="ru-RU"/>
+          </a:p>
+        </p:txBody>
+      </p:sp>
+    </p:spTree>
+  </p:cSld>
+  <p:clrMapOvr>
+    <a:masterClrMapping/>
+  </p:clrMapOvr>
+</p:notes>
+</file>
+
+<file path=ppt/notesSlides/notesSlide2.xml><?xml version="1.0" encoding="utf-8"?>
+<p:notes xmlns:a="http://schemas.openxmlformats.org/drawingml/2006/main" xmlns:r="http://schemas.openxmlformats.org/officeDocument/2006/relationships" xmlns:p="http://schemas.openxmlformats.org/presentationml/2006/main">
+  <p:cSld>
+    <p:spTree>
+      <p:nvGrpSpPr>
+        <p:cNvPr id="1" name=""/>
+        <p:cNvGrpSpPr/>
+        <p:nvPr/>
+      </p:nvGrpSpPr>
+      <p:grpSpPr>
+        <a:xfrm>
+          <a:off x="0" y="0"/>
+          <a:ext cx="0" cy="0"/>
+          <a:chOff x="0" y="0"/>
+          <a:chExt cx="0" cy="0"/>
+        </a:xfrm>
+      </p:grpSpPr>
+      <p:sp>
+        <p:nvSpPr>
+          <p:cNvPr id="2" name="Образ слайда 1"/>
+          <p:cNvSpPr>
+            <a:spLocks noGrp="1" noRot="1" noChangeAspect="1"/>
+          </p:cNvSpPr>
+          <p:nvPr>
+            <p:ph type="sldImg"/>
+          </p:nvPr>
+        </p:nvSpPr>
+        <p:spPr/>
+      </p:sp>
+      <p:sp>
+        <p:nvSpPr>
+          <p:cNvPr id="3" name="Заметки 2"/>
+          <p:cNvSpPr>
+            <a:spLocks noGrp="1"/>
+          </p:cNvSpPr>
+          <p:nvPr>
+            <p:ph type="body" idx="1"/>
+          </p:nvPr>
+        </p:nvSpPr>
+        <p:spPr/>
+        <p:txBody>
+          <a:bodyPr>
+            <a:normAutofit/>
+          </a:bodyPr>
+          <a:lstStyle/>
+          <a:p>
+            <a:endParaRPr lang="ru-RU" dirty="0"/>
+          </a:p>
+        </p:txBody>
+      </p:sp>
+      <p:sp>
+        <p:nvSpPr>
+          <p:cNvPr id="4" name="Номер слайда 3"/>
+          <p:cNvSpPr>
+            <a:spLocks noGrp="1"/>
+          </p:cNvSpPr>
+          <p:nvPr>
+            <p:ph type="sldNum" sz="quarter" idx="10"/>
+          </p:nvPr>
+        </p:nvSpPr>
+        <p:spPr/>
+        <p:txBody>
+          <a:bodyPr/>
+          <a:lstStyle/>
+          <a:p>
+            <a:fld id="{6D2F237C-E637-4850-A45E-C625AD4CF8DE}" type="slidenum">
+              <a:rPr lang="ru-RU" smtClean="0"/>
+              <a:pPr/>
               <a:t>7</a:t>
             </a:fld>
             <a:endParaRPr lang="ru-RU"/>
@@ -734,7 +820,7 @@
             <a:fld id="{5B106E36-FD25-4E2D-B0AA-010F637433A0}" type="datetimeFigureOut">
               <a:rPr lang="ru-RU" smtClean="0"/>
               <a:pPr/>
-              <a:t>17.06.2017</a:t>
+              <a:t>19.06.2017</a:t>
             </a:fld>
             <a:endParaRPr lang="ru-RU"/>
           </a:p>
@@ -901,7 +987,7 @@
             <a:fld id="{5B106E36-FD25-4E2D-B0AA-010F637433A0}" type="datetimeFigureOut">
               <a:rPr lang="ru-RU" smtClean="0"/>
               <a:pPr/>
-              <a:t>17.06.2017</a:t>
+              <a:t>19.06.2017</a:t>
             </a:fld>
             <a:endParaRPr lang="ru-RU"/>
           </a:p>
@@ -1078,7 +1164,7 @@
             <a:fld id="{5B106E36-FD25-4E2D-B0AA-010F637433A0}" type="datetimeFigureOut">
               <a:rPr lang="ru-RU" smtClean="0"/>
               <a:pPr/>
-              <a:t>17.06.2017</a:t>
+              <a:t>19.06.2017</a:t>
             </a:fld>
             <a:endParaRPr lang="ru-RU"/>
           </a:p>
@@ -1245,7 +1331,7 @@
             <a:fld id="{5B106E36-FD25-4E2D-B0AA-010F637433A0}" type="datetimeFigureOut">
               <a:rPr lang="ru-RU" smtClean="0"/>
               <a:pPr/>
-              <a:t>17.06.2017</a:t>
+              <a:t>19.06.2017</a:t>
             </a:fld>
             <a:endParaRPr lang="ru-RU"/>
           </a:p>
@@ -1488,7 +1574,7 @@
             <a:fld id="{5B106E36-FD25-4E2D-B0AA-010F637433A0}" type="datetimeFigureOut">
               <a:rPr lang="ru-RU" smtClean="0"/>
               <a:pPr/>
-              <a:t>17.06.2017</a:t>
+              <a:t>19.06.2017</a:t>
             </a:fld>
             <a:endParaRPr lang="ru-RU"/>
           </a:p>
@@ -1773,7 +1859,7 @@
             <a:fld id="{5B106E36-FD25-4E2D-B0AA-010F637433A0}" type="datetimeFigureOut">
               <a:rPr lang="ru-RU" smtClean="0"/>
               <a:pPr/>
-              <a:t>17.06.2017</a:t>
+              <a:t>19.06.2017</a:t>
             </a:fld>
             <a:endParaRPr lang="ru-RU"/>
           </a:p>
@@ -2192,7 +2278,7 @@
             <a:fld id="{5B106E36-FD25-4E2D-B0AA-010F637433A0}" type="datetimeFigureOut">
               <a:rPr lang="ru-RU" smtClean="0"/>
               <a:pPr/>
-              <a:t>17.06.2017</a:t>
+              <a:t>19.06.2017</a:t>
             </a:fld>
             <a:endParaRPr lang="ru-RU"/>
           </a:p>
@@ -2307,7 +2393,7 @@
             <a:fld id="{5B106E36-FD25-4E2D-B0AA-010F637433A0}" type="datetimeFigureOut">
               <a:rPr lang="ru-RU" smtClean="0"/>
               <a:pPr/>
-              <a:t>17.06.2017</a:t>
+              <a:t>19.06.2017</a:t>
             </a:fld>
             <a:endParaRPr lang="ru-RU"/>
           </a:p>
@@ -2399,7 +2485,7 @@
             <a:fld id="{5B106E36-FD25-4E2D-B0AA-010F637433A0}" type="datetimeFigureOut">
               <a:rPr lang="ru-RU" smtClean="0"/>
               <a:pPr/>
-              <a:t>17.06.2017</a:t>
+              <a:t>19.06.2017</a:t>
             </a:fld>
             <a:endParaRPr lang="ru-RU"/>
           </a:p>
@@ -2673,7 +2759,7 @@
             <a:fld id="{5B106E36-FD25-4E2D-B0AA-010F637433A0}" type="datetimeFigureOut">
               <a:rPr lang="ru-RU" smtClean="0"/>
               <a:pPr/>
-              <a:t>17.06.2017</a:t>
+              <a:t>19.06.2017</a:t>
             </a:fld>
             <a:endParaRPr lang="ru-RU"/>
           </a:p>
@@ -2923,7 +3009,7 @@
             <a:fld id="{5B106E36-FD25-4E2D-B0AA-010F637433A0}" type="datetimeFigureOut">
               <a:rPr lang="ru-RU" smtClean="0"/>
               <a:pPr/>
-              <a:t>17.06.2017</a:t>
+              <a:t>19.06.2017</a:t>
             </a:fld>
             <a:endParaRPr lang="ru-RU"/>
           </a:p>
@@ -3133,7 +3219,7 @@
             <a:fld id="{5B106E36-FD25-4E2D-B0AA-010F637433A0}" type="datetimeFigureOut">
               <a:rPr lang="ru-RU" smtClean="0"/>
               <a:pPr/>
-              <a:t>17.06.2017</a:t>
+              <a:t>19.06.2017</a:t>
             </a:fld>
             <a:endParaRPr lang="ru-RU"/>
           </a:p>
@@ -3617,17 +3703,17 @@
                 <a:latin typeface="+mj-lt"/>
                 <a:cs typeface="Times New Roman" pitchFamily="18" charset="0"/>
               </a:rPr>
-              <a:t>ФУПМ, 4 кур</a:t>
-            </a:r>
-            <a:r>
-              <a:rPr lang="en-US" sz="2800" dirty="0" smtClean="0">
+              <a:t>ФУПМ</a:t>
+            </a:r>
+            <a:r>
+              <a:rPr lang="ru-RU" sz="2800" dirty="0" smtClean="0">
                 <a:solidFill>
                   <a:schemeClr val="tx1"/>
                 </a:solidFill>
                 <a:latin typeface="+mj-lt"/>
                 <a:cs typeface="Times New Roman" pitchFamily="18" charset="0"/>
               </a:rPr>
-              <a:t>c</a:t>
+              <a:t>, 373 группа</a:t>
             </a:r>
             <a:endParaRPr lang="ru-RU" sz="2800" dirty="0" smtClean="0">
               <a:solidFill>
@@ -3824,7 +3910,7 @@
         </p:blipFill>
         <p:spPr bwMode="auto">
           <a:xfrm>
-            <a:off x="1428728" y="1928802"/>
+            <a:off x="1000100" y="2000240"/>
             <a:ext cx="7350606" cy="1872000"/>
           </a:xfrm>
           <a:prstGeom prst="rect">
@@ -3850,7 +3936,7 @@
         </p:blipFill>
         <p:spPr bwMode="auto">
           <a:xfrm>
-            <a:off x="1428728" y="4500570"/>
+            <a:off x="1135053" y="4500570"/>
             <a:ext cx="6937409" cy="1872000"/>
           </a:xfrm>
           <a:prstGeom prst="rect">
@@ -3867,8 +3953,8 @@
         </p:nvSpPr>
         <p:spPr>
           <a:xfrm>
-            <a:off x="642910" y="1714488"/>
-            <a:ext cx="590226" cy="584775"/>
+            <a:off x="1857356" y="1571612"/>
+            <a:ext cx="5288627" cy="461665"/>
           </a:xfrm>
           <a:prstGeom prst="rect">
             <a:avLst/>
@@ -3880,24 +3966,25 @@
           </a:bodyPr>
           <a:lstStyle/>
           <a:p>
-            <a:r>
-              <a:rPr lang="en-US" sz="3200" dirty="0" smtClean="0"/>
-              <a:t>1. </a:t>
-            </a:r>
-            <a:endParaRPr lang="ru-RU" sz="3200" dirty="0"/>
-          </a:p>
-        </p:txBody>
-      </p:sp>
-      <p:sp>
-        <p:nvSpPr>
-          <p:cNvPr id="6" name="Прямоугольник 5"/>
+            <a:pPr algn="ctr"/>
+            <a:r>
+              <a:rPr lang="ru-RU" sz="2400" dirty="0" smtClean="0"/>
+              <a:t>Метод Ньютона для исходной системы</a:t>
+            </a:r>
+            <a:endParaRPr lang="ru-RU" sz="2400" dirty="0"/>
+          </a:p>
+        </p:txBody>
+      </p:sp>
+      <p:sp>
+        <p:nvSpPr>
+          <p:cNvPr id="7" name="Прямоугольник 6"/>
           <p:cNvSpPr/>
           <p:nvPr/>
         </p:nvSpPr>
         <p:spPr>
           <a:xfrm>
-            <a:off x="642910" y="4286256"/>
-            <a:ext cx="590226" cy="584775"/>
+            <a:off x="1643042" y="4071942"/>
+            <a:ext cx="5850256" cy="461665"/>
           </a:xfrm>
           <a:prstGeom prst="rect">
             <a:avLst/>
@@ -3909,11 +3996,12 @@
           </a:bodyPr>
           <a:lstStyle/>
           <a:p>
-            <a:r>
-              <a:rPr lang="en-US" sz="3200" dirty="0" smtClean="0"/>
-              <a:t>2. </a:t>
-            </a:r>
-            <a:endParaRPr lang="ru-RU" sz="3200" dirty="0"/>
+            <a:pPr algn="ctr"/>
+            <a:r>
+              <a:rPr lang="ru-RU" sz="2400" dirty="0" smtClean="0"/>
+              <a:t>Метод Ньютона для расширенной системы</a:t>
+            </a:r>
+            <a:endParaRPr lang="ru-RU" sz="2400" dirty="0"/>
           </a:p>
         </p:txBody>
       </p:sp>
@@ -3962,20 +4050,13 @@
         <p:spPr/>
         <p:txBody>
           <a:bodyPr>
-            <a:normAutofit fontScale="90000"/>
+            <a:normAutofit/>
           </a:bodyPr>
           <a:lstStyle/>
           <a:p>
             <a:r>
               <a:rPr lang="ru-RU" dirty="0" smtClean="0"/>
-              <a:t>Результаты использования модуля</a:t>
-            </a:r>
-            <a:br>
-              <a:rPr lang="ru-RU" dirty="0" smtClean="0"/>
-            </a:br>
-            <a:r>
-              <a:rPr lang="ru-RU" dirty="0" smtClean="0"/>
-              <a:t>в симуляторе </a:t>
+              <a:t>Модельная задача</a:t>
             </a:r>
             <a:endParaRPr lang="ru-RU" dirty="0"/>
           </a:p>
@@ -4641,14 +4722,7 @@
           <a:p>
             <a:r>
               <a:rPr lang="ru-RU" dirty="0" smtClean="0"/>
-              <a:t>Результаты использования модуля</a:t>
-            </a:r>
-            <a:br>
-              <a:rPr lang="ru-RU" dirty="0" smtClean="0"/>
-            </a:br>
-            <a:r>
-              <a:rPr lang="ru-RU" dirty="0" smtClean="0"/>
-              <a:t>в симуляторе </a:t>
+              <a:t>Результаты расчёта модельной задачи</a:t>
             </a:r>
             <a:endParaRPr lang="ru-RU" dirty="0"/>
           </a:p>
@@ -4656,7 +4730,7 @@
       </p:sp>
       <p:pic>
         <p:nvPicPr>
-          <p:cNvPr id="2050" name="Picture 2" descr="C:\Users\Виктор\Desktop\презентация\Пористость.bmp"/>
+          <p:cNvPr id="3074" name="Picture 2" descr="C:\Users\Виктор\Desktop\презентация\Насыщенноть.bmp"/>
           <p:cNvPicPr>
             <a:picLocks noChangeAspect="1" noChangeArrowheads="1"/>
           </p:cNvPicPr>
@@ -4671,34 +4745,8 @@
         </p:blipFill>
         <p:spPr bwMode="auto">
           <a:xfrm>
-            <a:off x="357158" y="2428868"/>
-            <a:ext cx="3929089" cy="3266403"/>
-          </a:xfrm>
-          <a:prstGeom prst="rect">
-            <a:avLst/>
-          </a:prstGeom>
-          <a:noFill/>
-        </p:spPr>
-      </p:pic>
-      <p:pic>
-        <p:nvPicPr>
-          <p:cNvPr id="2051" name="Picture 3" descr="C:\Users\Виктор\Desktop\презентация\Насыщенноть.bmp"/>
-          <p:cNvPicPr>
-            <a:picLocks noChangeAspect="1" noChangeArrowheads="1"/>
-          </p:cNvPicPr>
-          <p:nvPr/>
-        </p:nvPicPr>
-        <p:blipFill>
-          <a:blip r:embed="rId3"/>
-          <a:srcRect/>
-          <a:stretch>
-            <a:fillRect/>
-          </a:stretch>
-        </p:blipFill>
-        <p:spPr bwMode="auto">
-          <a:xfrm>
-            <a:off x="4452965" y="2643182"/>
-            <a:ext cx="4691035" cy="3059371"/>
+            <a:off x="642910" y="1428736"/>
+            <a:ext cx="7929618" cy="5184504"/>
           </a:xfrm>
           <a:prstGeom prst="rect">
             <a:avLst/>
@@ -4718,6 +4766,1337 @@
       </p:par>
     </p:tnLst>
   </p:timing>
+</p:sld>
+</file>
+
+<file path=ppt/slides/slide13.xml><?xml version="1.0" encoding="utf-8"?>
+<p:sld xmlns:a="http://schemas.openxmlformats.org/drawingml/2006/main" xmlns:r="http://schemas.openxmlformats.org/officeDocument/2006/relationships" xmlns:p="http://schemas.openxmlformats.org/presentationml/2006/main">
+  <p:cSld>
+    <p:spTree>
+      <p:nvGrpSpPr>
+        <p:cNvPr id="1" name=""/>
+        <p:cNvGrpSpPr/>
+        <p:nvPr/>
+      </p:nvGrpSpPr>
+      <p:grpSpPr>
+        <a:xfrm>
+          <a:off x="0" y="0"/>
+          <a:ext cx="0" cy="0"/>
+          <a:chOff x="0" y="0"/>
+          <a:chExt cx="0" cy="0"/>
+        </a:xfrm>
+      </p:grpSpPr>
+      <p:sp>
+        <p:nvSpPr>
+          <p:cNvPr id="2" name="Заголовок 1"/>
+          <p:cNvSpPr>
+            <a:spLocks noGrp="1"/>
+          </p:cNvSpPr>
+          <p:nvPr>
+            <p:ph type="title"/>
+          </p:nvPr>
+        </p:nvSpPr>
+        <p:spPr/>
+        <p:txBody>
+          <a:bodyPr>
+            <a:normAutofit fontScale="90000"/>
+          </a:bodyPr>
+          <a:lstStyle/>
+          <a:p>
+            <a:r>
+              <a:rPr lang="ru-RU" dirty="0" smtClean="0"/>
+              <a:t>Результаты </a:t>
+            </a:r>
+            <a:r>
+              <a:rPr lang="ru-RU" dirty="0" smtClean="0"/>
+              <a:t>расчёта модельной задачи</a:t>
+            </a:r>
+            <a:endParaRPr lang="ru-RU" dirty="0"/>
+          </a:p>
+        </p:txBody>
+      </p:sp>
+      <p:pic>
+        <p:nvPicPr>
+          <p:cNvPr id="2053" name="Picture 5" descr="C:\Users\Виктор\Desktop\презентация\Пористость.bmp"/>
+          <p:cNvPicPr>
+            <a:picLocks noChangeAspect="1" noChangeArrowheads="1"/>
+          </p:cNvPicPr>
+          <p:nvPr/>
+        </p:nvPicPr>
+        <p:blipFill>
+          <a:blip r:embed="rId2"/>
+          <a:srcRect/>
+          <a:stretch>
+            <a:fillRect/>
+          </a:stretch>
+        </p:blipFill>
+        <p:spPr bwMode="auto">
+          <a:xfrm>
+            <a:off x="1428728" y="1571612"/>
+            <a:ext cx="6500858" cy="4926857"/>
+          </a:xfrm>
+          <a:prstGeom prst="rect">
+            <a:avLst/>
+          </a:prstGeom>
+          <a:noFill/>
+        </p:spPr>
+      </p:pic>
+    </p:spTree>
+  </p:cSld>
+  <p:clrMapOvr>
+    <a:masterClrMapping/>
+  </p:clrMapOvr>
+  <p:timing>
+    <p:tnLst>
+      <p:par>
+        <p:cTn id="1" dur="indefinite" restart="never" nodeType="tmRoot"/>
+      </p:par>
+    </p:tnLst>
+  </p:timing>
+</p:sld>
+</file>
+
+<file path=ppt/slides/slide14.xml><?xml version="1.0" encoding="utf-8"?>
+<p:sld xmlns:a="http://schemas.openxmlformats.org/drawingml/2006/main" xmlns:r="http://schemas.openxmlformats.org/officeDocument/2006/relationships" xmlns:p="http://schemas.openxmlformats.org/presentationml/2006/main">
+  <p:cSld>
+    <p:spTree>
+      <p:nvGrpSpPr>
+        <p:cNvPr id="1" name=""/>
+        <p:cNvGrpSpPr/>
+        <p:nvPr/>
+      </p:nvGrpSpPr>
+      <p:grpSpPr>
+        <a:xfrm>
+          <a:off x="0" y="0"/>
+          <a:ext cx="0" cy="0"/>
+          <a:chOff x="0" y="0"/>
+          <a:chExt cx="0" cy="0"/>
+        </a:xfrm>
+      </p:grpSpPr>
+      <p:sp>
+        <p:nvSpPr>
+          <p:cNvPr id="2" name="Заголовок 1"/>
+          <p:cNvSpPr>
+            <a:spLocks noGrp="1"/>
+          </p:cNvSpPr>
+          <p:nvPr>
+            <p:ph type="title"/>
+          </p:nvPr>
+        </p:nvSpPr>
+        <p:spPr/>
+        <p:txBody>
+          <a:bodyPr/>
+          <a:lstStyle/>
+          <a:p>
+            <a:r>
+              <a:rPr lang="ru-RU" dirty="0" smtClean="0"/>
+              <a:t>Выводы</a:t>
+            </a:r>
+            <a:endParaRPr lang="ru-RU" dirty="0"/>
+          </a:p>
+        </p:txBody>
+      </p:sp>
+      <p:sp>
+        <p:nvSpPr>
+          <p:cNvPr id="4" name="Содержимое 2"/>
+          <p:cNvSpPr txBox="1">
+            <a:spLocks/>
+          </p:cNvSpPr>
+          <p:nvPr/>
+        </p:nvSpPr>
+        <p:spPr>
+          <a:xfrm>
+            <a:off x="285720" y="1643050"/>
+            <a:ext cx="8686800" cy="4525963"/>
+          </a:xfrm>
+          <a:prstGeom prst="rect">
+            <a:avLst/>
+          </a:prstGeom>
+        </p:spPr>
+        <p:txBody>
+          <a:bodyPr>
+            <a:normAutofit/>
+          </a:bodyPr>
+          <a:lstStyle/>
+          <a:p>
+            <a:pPr marL="342900" marR="0" lvl="0" indent="-342900" algn="just" defTabSz="914400" rtl="0" eaLnBrk="1" fontAlgn="auto" latinLnBrk="0" hangingPunct="1">
+              <a:lnSpc>
+                <a:spcPct val="100000"/>
+              </a:lnSpc>
+              <a:spcBef>
+                <a:spcPct val="20000"/>
+              </a:spcBef>
+              <a:spcAft>
+                <a:spcPts val="0"/>
+              </a:spcAft>
+              <a:buClrTx/>
+              <a:buSzTx/>
+              <a:buFont typeface="Arial" pitchFamily="34" charset="0"/>
+              <a:buChar char="•"/>
+              <a:tabLst/>
+              <a:defRPr/>
+            </a:pPr>
+            <a:r>
+              <a:rPr kumimoji="0" lang="ru-RU" sz="2600" b="0" i="0" u="none" strike="noStrike" kern="1200" cap="none" spc="0" normalizeH="0" baseline="0" noProof="0" dirty="0" smtClean="0">
+                <a:ln>
+                  <a:noFill/>
+                </a:ln>
+                <a:solidFill>
+                  <a:schemeClr val="tx1"/>
+                </a:solidFill>
+                <a:effectLst/>
+                <a:uLnTx/>
+                <a:uFillTx/>
+                <a:latin typeface="+mn-lt"/>
+                <a:ea typeface="+mn-ea"/>
+                <a:cs typeface="+mn-cs"/>
+              </a:rPr>
+              <a:t>Предложенный переход к расширенной системе уравнений позволяет снять ограничения</a:t>
+            </a:r>
+            <a:r>
+              <a:rPr kumimoji="0" lang="ru-RU" sz="2600" b="0" i="0" u="none" strike="noStrike" kern="1200" cap="none" spc="0" normalizeH="0" noProof="0" dirty="0" smtClean="0">
+                <a:ln>
+                  <a:noFill/>
+                </a:ln>
+                <a:solidFill>
+                  <a:schemeClr val="tx1"/>
+                </a:solidFill>
+                <a:effectLst/>
+                <a:uLnTx/>
+                <a:uFillTx/>
+                <a:latin typeface="+mn-lt"/>
+                <a:ea typeface="+mn-ea"/>
+                <a:cs typeface="+mn-cs"/>
+              </a:rPr>
+              <a:t> на область определения функции в методе Ньютона </a:t>
+            </a:r>
+            <a:r>
+              <a:rPr kumimoji="0" lang="ru-RU" sz="2600" b="0" i="0" u="none" strike="noStrike" kern="1200" cap="none" spc="0" normalizeH="0" baseline="0" noProof="0" dirty="0" smtClean="0">
+                <a:ln>
+                  <a:noFill/>
+                </a:ln>
+                <a:solidFill>
+                  <a:schemeClr val="tx1"/>
+                </a:solidFill>
+                <a:effectLst/>
+                <a:uLnTx/>
+                <a:uFillTx/>
+                <a:latin typeface="+mn-lt"/>
+                <a:ea typeface="+mn-ea"/>
+                <a:cs typeface="+mn-cs"/>
+              </a:rPr>
+              <a:t>и повысить вычислительную устойчивость алгоритма.</a:t>
+            </a:r>
+          </a:p>
+          <a:p>
+            <a:pPr marL="342900" marR="0" lvl="0" indent="-342900" algn="just" defTabSz="914400" rtl="0" eaLnBrk="1" fontAlgn="auto" latinLnBrk="0" hangingPunct="1">
+              <a:lnSpc>
+                <a:spcPct val="100000"/>
+              </a:lnSpc>
+              <a:spcBef>
+                <a:spcPct val="20000"/>
+              </a:spcBef>
+              <a:spcAft>
+                <a:spcPts val="0"/>
+              </a:spcAft>
+              <a:buClrTx/>
+              <a:buSzTx/>
+              <a:buFont typeface="Arial" pitchFamily="34" charset="0"/>
+              <a:buChar char="•"/>
+              <a:tabLst/>
+              <a:defRPr/>
+            </a:pPr>
+            <a:endParaRPr kumimoji="0" lang="ru-RU" sz="2600" b="0" i="0" u="none" strike="noStrike" kern="1200" cap="none" spc="0" normalizeH="0" baseline="0" noProof="0" dirty="0" smtClean="0">
+              <a:ln>
+                <a:noFill/>
+              </a:ln>
+              <a:solidFill>
+                <a:schemeClr val="tx1"/>
+              </a:solidFill>
+              <a:effectLst/>
+              <a:uLnTx/>
+              <a:uFillTx/>
+              <a:latin typeface="+mn-lt"/>
+              <a:ea typeface="+mn-ea"/>
+              <a:cs typeface="+mn-cs"/>
+            </a:endParaRPr>
+          </a:p>
+          <a:p>
+            <a:pPr marL="342900" marR="0" lvl="0" indent="-342900" algn="just" defTabSz="914400" rtl="0" eaLnBrk="1" fontAlgn="auto" latinLnBrk="0" hangingPunct="1">
+              <a:lnSpc>
+                <a:spcPct val="100000"/>
+              </a:lnSpc>
+              <a:spcBef>
+                <a:spcPct val="20000"/>
+              </a:spcBef>
+              <a:spcAft>
+                <a:spcPts val="0"/>
+              </a:spcAft>
+              <a:buClrTx/>
+              <a:buSzTx/>
+              <a:buFont typeface="Arial" pitchFamily="34" charset="0"/>
+              <a:buChar char="•"/>
+              <a:tabLst/>
+              <a:defRPr/>
+            </a:pPr>
+            <a:r>
+              <a:rPr lang="ru-RU" sz="2600" dirty="0" smtClean="0"/>
+              <a:t>В модельной задаче профиль добавочной пористости качественно повторяет профиль </a:t>
+            </a:r>
+            <a:r>
+              <a:rPr lang="ru-RU" sz="2600" dirty="0" err="1" smtClean="0"/>
+              <a:t>газонасыщенности</a:t>
+            </a:r>
+            <a:r>
+              <a:rPr lang="ru-RU" sz="2600" dirty="0" smtClean="0"/>
+              <a:t>, причем максимальная добавочная пористость была равна 0.3% (при начальной пористости 5%)</a:t>
+            </a:r>
+            <a:endParaRPr kumimoji="0" lang="ru-RU" sz="2600" b="0" i="0" u="none" strike="noStrike" kern="1200" cap="none" spc="0" normalizeH="0" baseline="0" noProof="0" dirty="0">
+              <a:ln>
+                <a:noFill/>
+              </a:ln>
+              <a:solidFill>
+                <a:schemeClr val="tx1"/>
+              </a:solidFill>
+              <a:effectLst/>
+              <a:uLnTx/>
+              <a:uFillTx/>
+              <a:latin typeface="+mn-lt"/>
+              <a:ea typeface="+mn-ea"/>
+              <a:cs typeface="+mn-cs"/>
+            </a:endParaRPr>
+          </a:p>
+        </p:txBody>
+      </p:sp>
+    </p:spTree>
+  </p:cSld>
+  <p:clrMapOvr>
+    <a:masterClrMapping/>
+  </p:clrMapOvr>
+  <p:timing>
+    <p:tnLst>
+      <p:par>
+        <p:cTn id="1" dur="indefinite" restart="never" nodeType="tmRoot"/>
+      </p:par>
+    </p:tnLst>
+  </p:timing>
+</p:sld>
+</file>
+
+<file path=ppt/slides/slide15.xml><?xml version="1.0" encoding="utf-8"?>
+<p:sld xmlns:a="http://schemas.openxmlformats.org/drawingml/2006/main" xmlns:r="http://schemas.openxmlformats.org/officeDocument/2006/relationships" xmlns:p="http://schemas.openxmlformats.org/presentationml/2006/main">
+  <p:cSld>
+    <p:spTree>
+      <p:nvGrpSpPr>
+        <p:cNvPr id="1" name=""/>
+        <p:cNvGrpSpPr/>
+        <p:nvPr/>
+      </p:nvGrpSpPr>
+      <p:grpSpPr>
+        <a:xfrm>
+          <a:off x="0" y="0"/>
+          <a:ext cx="0" cy="0"/>
+          <a:chOff x="0" y="0"/>
+          <a:chExt cx="0" cy="0"/>
+        </a:xfrm>
+      </p:grpSpPr>
+      <p:sp>
+        <p:nvSpPr>
+          <p:cNvPr id="2" name="Заголовок 1"/>
+          <p:cNvSpPr>
+            <a:spLocks noGrp="1"/>
+          </p:cNvSpPr>
+          <p:nvPr>
+            <p:ph type="title"/>
+          </p:nvPr>
+        </p:nvSpPr>
+        <p:spPr/>
+        <p:txBody>
+          <a:bodyPr/>
+          <a:lstStyle/>
+          <a:p>
+            <a:r>
+              <a:rPr lang="ru-RU" dirty="0" smtClean="0"/>
+              <a:t>Заключение</a:t>
+            </a:r>
+            <a:endParaRPr lang="ru-RU" dirty="0"/>
+          </a:p>
+        </p:txBody>
+      </p:sp>
+      <p:sp>
+        <p:nvSpPr>
+          <p:cNvPr id="3" name="Содержимое 2"/>
+          <p:cNvSpPr txBox="1">
+            <a:spLocks/>
+          </p:cNvSpPr>
+          <p:nvPr/>
+        </p:nvSpPr>
+        <p:spPr>
+          <a:xfrm>
+            <a:off x="285720" y="1643050"/>
+            <a:ext cx="8686800" cy="4525963"/>
+          </a:xfrm>
+          <a:prstGeom prst="rect">
+            <a:avLst/>
+          </a:prstGeom>
+        </p:spPr>
+        <p:txBody>
+          <a:bodyPr>
+            <a:normAutofit/>
+          </a:bodyPr>
+          <a:lstStyle/>
+          <a:p>
+            <a:pPr marL="342900" marR="0" lvl="0" indent="-342900" algn="just" defTabSz="914400" rtl="0" eaLnBrk="1" fontAlgn="auto" latinLnBrk="0" hangingPunct="1">
+              <a:lnSpc>
+                <a:spcPct val="100000"/>
+              </a:lnSpc>
+              <a:spcBef>
+                <a:spcPct val="20000"/>
+              </a:spcBef>
+              <a:spcAft>
+                <a:spcPts val="0"/>
+              </a:spcAft>
+              <a:buClrTx/>
+              <a:buSzTx/>
+              <a:buFont typeface="Arial" pitchFamily="34" charset="0"/>
+              <a:buChar char="•"/>
+              <a:tabLst/>
+              <a:defRPr/>
+            </a:pPr>
+            <a:r>
+              <a:rPr lang="ru-RU" sz="2600" dirty="0" smtClean="0"/>
+              <a:t>Рассмотрены различные способы записи </a:t>
+            </a:r>
+            <a:r>
+              <a:rPr kumimoji="0" lang="ru-RU" sz="2600" b="0" i="0" u="none" strike="noStrike" kern="1200" cap="none" spc="0" normalizeH="0" baseline="0" noProof="0" dirty="0" smtClean="0">
+                <a:ln>
+                  <a:noFill/>
+                </a:ln>
+                <a:solidFill>
+                  <a:schemeClr val="tx1"/>
+                </a:solidFill>
+                <a:effectLst/>
+                <a:uLnTx/>
+                <a:uFillTx/>
+                <a:latin typeface="+mn-lt"/>
+                <a:ea typeface="+mn-ea"/>
+                <a:cs typeface="+mn-cs"/>
+              </a:rPr>
+              <a:t>равновесных соотношений для равновесных химических реакций. </a:t>
+            </a:r>
+          </a:p>
+          <a:p>
+            <a:pPr marL="342900" marR="0" lvl="0" indent="-342900" algn="just" defTabSz="914400" rtl="0" eaLnBrk="1" fontAlgn="auto" latinLnBrk="0" hangingPunct="1">
+              <a:lnSpc>
+                <a:spcPct val="100000"/>
+              </a:lnSpc>
+              <a:spcBef>
+                <a:spcPct val="20000"/>
+              </a:spcBef>
+              <a:spcAft>
+                <a:spcPts val="0"/>
+              </a:spcAft>
+              <a:buClrTx/>
+              <a:buSzTx/>
+              <a:buFont typeface="Arial" pitchFamily="34" charset="0"/>
+              <a:buChar char="•"/>
+              <a:tabLst/>
+              <a:defRPr/>
+            </a:pPr>
+            <a:endParaRPr kumimoji="0" lang="ru-RU" sz="2600" b="0" i="0" u="none" strike="noStrike" kern="1200" cap="none" spc="0" normalizeH="0" baseline="0" noProof="0" dirty="0" smtClean="0">
+              <a:ln>
+                <a:noFill/>
+              </a:ln>
+              <a:solidFill>
+                <a:schemeClr val="tx1"/>
+              </a:solidFill>
+              <a:effectLst/>
+              <a:uLnTx/>
+              <a:uFillTx/>
+              <a:latin typeface="+mn-lt"/>
+              <a:ea typeface="+mn-ea"/>
+              <a:cs typeface="+mn-cs"/>
+            </a:endParaRPr>
+          </a:p>
+          <a:p>
+            <a:pPr marL="342900" marR="0" lvl="0" indent="-342900" algn="just" defTabSz="914400" rtl="0" eaLnBrk="1" fontAlgn="auto" latinLnBrk="0" hangingPunct="1">
+              <a:lnSpc>
+                <a:spcPct val="100000"/>
+              </a:lnSpc>
+              <a:spcBef>
+                <a:spcPct val="20000"/>
+              </a:spcBef>
+              <a:spcAft>
+                <a:spcPts val="0"/>
+              </a:spcAft>
+              <a:buClrTx/>
+              <a:buSzTx/>
+              <a:buFont typeface="Arial" pitchFamily="34" charset="0"/>
+              <a:buChar char="•"/>
+              <a:tabLst/>
+              <a:defRPr/>
+            </a:pPr>
+            <a:r>
+              <a:rPr kumimoji="0" lang="ru-RU" sz="2600" b="0" i="0" u="none" strike="noStrike" kern="1200" cap="none" spc="0" normalizeH="0" baseline="0" noProof="0" dirty="0" smtClean="0">
+                <a:ln>
+                  <a:noFill/>
+                </a:ln>
+                <a:solidFill>
+                  <a:schemeClr val="tx1"/>
+                </a:solidFill>
+                <a:effectLst/>
+                <a:uLnTx/>
+                <a:uFillTx/>
+                <a:latin typeface="+mn-lt"/>
+                <a:ea typeface="+mn-ea"/>
+                <a:cs typeface="+mn-cs"/>
+              </a:rPr>
+              <a:t>Созданы программные реализации методов</a:t>
+            </a:r>
+            <a:r>
+              <a:rPr kumimoji="0" lang="ru-RU" sz="2600" b="0" i="0" u="none" strike="noStrike" kern="1200" cap="none" spc="0" normalizeH="0" noProof="0" dirty="0" smtClean="0">
+                <a:ln>
+                  <a:noFill/>
+                </a:ln>
+                <a:solidFill>
+                  <a:schemeClr val="tx1"/>
+                </a:solidFill>
+                <a:effectLst/>
+                <a:uLnTx/>
+                <a:uFillTx/>
+                <a:latin typeface="+mn-lt"/>
+                <a:ea typeface="+mn-ea"/>
+                <a:cs typeface="+mn-cs"/>
+              </a:rPr>
+              <a:t> Ньютона для этих соотношений</a:t>
+            </a:r>
+            <a:r>
+              <a:rPr kumimoji="0" lang="ru-RU" sz="2600" b="0" i="0" u="none" strike="noStrike" kern="1200" cap="none" spc="0" normalizeH="0" baseline="0" noProof="0" dirty="0" smtClean="0">
+                <a:ln>
+                  <a:noFill/>
+                </a:ln>
+                <a:solidFill>
+                  <a:schemeClr val="tx1"/>
+                </a:solidFill>
+                <a:effectLst/>
+                <a:uLnTx/>
+                <a:uFillTx/>
+                <a:latin typeface="+mn-lt"/>
+                <a:ea typeface="+mn-ea"/>
+                <a:cs typeface="+mn-cs"/>
+              </a:rPr>
+              <a:t>.  Выбран оптимальный вариант метода.</a:t>
+            </a:r>
+          </a:p>
+          <a:p>
+            <a:pPr marL="342900" marR="0" lvl="0" indent="-342900" algn="just" defTabSz="914400" rtl="0" eaLnBrk="1" fontAlgn="auto" latinLnBrk="0" hangingPunct="1">
+              <a:lnSpc>
+                <a:spcPct val="100000"/>
+              </a:lnSpc>
+              <a:spcBef>
+                <a:spcPct val="20000"/>
+              </a:spcBef>
+              <a:spcAft>
+                <a:spcPts val="0"/>
+              </a:spcAft>
+              <a:buClrTx/>
+              <a:buSzTx/>
+              <a:buFont typeface="Arial" pitchFamily="34" charset="0"/>
+              <a:buChar char="•"/>
+              <a:tabLst/>
+              <a:defRPr/>
+            </a:pPr>
+            <a:endParaRPr kumimoji="0" lang="ru-RU" sz="2600" b="0" i="0" u="none" strike="noStrike" kern="1200" cap="none" spc="0" normalizeH="0" baseline="0" noProof="0" dirty="0" smtClean="0">
+              <a:ln>
+                <a:noFill/>
+              </a:ln>
+              <a:solidFill>
+                <a:schemeClr val="tx1"/>
+              </a:solidFill>
+              <a:effectLst/>
+              <a:uLnTx/>
+              <a:uFillTx/>
+              <a:latin typeface="+mn-lt"/>
+              <a:ea typeface="+mn-ea"/>
+              <a:cs typeface="+mn-cs"/>
+            </a:endParaRPr>
+          </a:p>
+          <a:p>
+            <a:pPr marL="342900" marR="0" lvl="0" indent="-342900" algn="just" defTabSz="914400" rtl="0" eaLnBrk="1" fontAlgn="auto" latinLnBrk="0" hangingPunct="1">
+              <a:lnSpc>
+                <a:spcPct val="100000"/>
+              </a:lnSpc>
+              <a:spcBef>
+                <a:spcPct val="20000"/>
+              </a:spcBef>
+              <a:spcAft>
+                <a:spcPts val="0"/>
+              </a:spcAft>
+              <a:buClrTx/>
+              <a:buSzTx/>
+              <a:buFont typeface="Arial" pitchFamily="34" charset="0"/>
+              <a:buChar char="•"/>
+              <a:tabLst/>
+              <a:defRPr/>
+            </a:pPr>
+            <a:r>
+              <a:rPr kumimoji="0" lang="ru-RU" sz="2600" b="0" i="0" u="none" strike="noStrike" kern="1200" cap="none" spc="0" normalizeH="0" baseline="0" noProof="0" dirty="0" smtClean="0">
+                <a:ln>
+                  <a:noFill/>
+                </a:ln>
+                <a:solidFill>
+                  <a:schemeClr val="tx1"/>
+                </a:solidFill>
+                <a:effectLst/>
+                <a:uLnTx/>
+                <a:uFillTx/>
+                <a:latin typeface="+mn-lt"/>
+                <a:ea typeface="+mn-ea"/>
+                <a:cs typeface="+mn-cs"/>
+              </a:rPr>
+              <a:t>Выбранный модуль добавлен к симулятору многофазных фильтрационных течений,  показана адекватность получаемых результатов.</a:t>
+            </a:r>
+            <a:endParaRPr kumimoji="0" lang="ru-RU" sz="2600" b="0" i="0" u="none" strike="noStrike" kern="1200" cap="none" spc="0" normalizeH="0" baseline="0" noProof="0" dirty="0">
+              <a:ln>
+                <a:noFill/>
+              </a:ln>
+              <a:solidFill>
+                <a:schemeClr val="tx1"/>
+              </a:solidFill>
+              <a:effectLst/>
+              <a:uLnTx/>
+              <a:uFillTx/>
+              <a:latin typeface="+mn-lt"/>
+              <a:ea typeface="+mn-ea"/>
+              <a:cs typeface="+mn-cs"/>
+            </a:endParaRPr>
+          </a:p>
+        </p:txBody>
+      </p:sp>
+    </p:spTree>
+  </p:cSld>
+  <p:clrMapOvr>
+    <a:masterClrMapping/>
+  </p:clrMapOvr>
+  <p:timing>
+    <p:tnLst>
+      <p:par>
+        <p:cTn id="1" dur="indefinite" restart="never" nodeType="tmRoot"/>
+      </p:par>
+    </p:tnLst>
+  </p:timing>
+</p:sld>
+</file>
+
+<file path=ppt/slides/slide16.xml><?xml version="1.0" encoding="utf-8"?>
+<p:sld xmlns:a="http://schemas.openxmlformats.org/drawingml/2006/main" xmlns:r="http://schemas.openxmlformats.org/officeDocument/2006/relationships" xmlns:p="http://schemas.openxmlformats.org/presentationml/2006/main">
+  <p:cSld>
+    <p:spTree>
+      <p:nvGrpSpPr>
+        <p:cNvPr id="1" name=""/>
+        <p:cNvGrpSpPr/>
+        <p:nvPr/>
+      </p:nvGrpSpPr>
+      <p:grpSpPr>
+        <a:xfrm>
+          <a:off x="0" y="0"/>
+          <a:ext cx="0" cy="0"/>
+          <a:chOff x="0" y="0"/>
+          <a:chExt cx="0" cy="0"/>
+        </a:xfrm>
+      </p:grpSpPr>
+      <p:sp>
+        <p:nvSpPr>
+          <p:cNvPr id="2" name="Заголовок 1"/>
+          <p:cNvSpPr>
+            <a:spLocks noGrp="1"/>
+          </p:cNvSpPr>
+          <p:nvPr>
+            <p:ph type="title"/>
+          </p:nvPr>
+        </p:nvSpPr>
+        <p:spPr/>
+        <p:txBody>
+          <a:bodyPr>
+            <a:normAutofit fontScale="90000"/>
+          </a:bodyPr>
+          <a:lstStyle/>
+          <a:p>
+            <a:r>
+              <a:rPr lang="ru-RU" dirty="0" smtClean="0"/>
+              <a:t>Дополнение к уравнениям баланса</a:t>
+            </a:r>
+            <a:endParaRPr lang="ru-RU" dirty="0"/>
+          </a:p>
+        </p:txBody>
+      </p:sp>
+      <p:pic>
+        <p:nvPicPr>
+          <p:cNvPr id="4098" name="Picture 2" descr="C:\Users\Виктор\Desktop\презентация\Ni и h.bmp"/>
+          <p:cNvPicPr>
+            <a:picLocks noChangeAspect="1" noChangeArrowheads="1"/>
+          </p:cNvPicPr>
+          <p:nvPr/>
+        </p:nvPicPr>
+        <p:blipFill>
+          <a:blip r:embed="rId2"/>
+          <a:srcRect/>
+          <a:stretch>
+            <a:fillRect/>
+          </a:stretch>
+        </p:blipFill>
+        <p:spPr bwMode="auto">
+          <a:xfrm>
+            <a:off x="2005025" y="1428736"/>
+            <a:ext cx="4844221" cy="785818"/>
+          </a:xfrm>
+          <a:prstGeom prst="rect">
+            <a:avLst/>
+          </a:prstGeom>
+          <a:noFill/>
+        </p:spPr>
+      </p:pic>
+      <p:pic>
+        <p:nvPicPr>
+          <p:cNvPr id="4099" name="Picture 3" descr="C:\Users\Виктор\Desktop\презентация\Закон Дарси.bmp"/>
+          <p:cNvPicPr>
+            <a:picLocks noChangeAspect="1" noChangeArrowheads="1"/>
+          </p:cNvPicPr>
+          <p:nvPr/>
+        </p:nvPicPr>
+        <p:blipFill>
+          <a:blip r:embed="rId3"/>
+          <a:srcRect/>
+          <a:stretch>
+            <a:fillRect/>
+          </a:stretch>
+        </p:blipFill>
+        <p:spPr bwMode="auto">
+          <a:xfrm>
+            <a:off x="2714612" y="5129029"/>
+            <a:ext cx="3500462" cy="728863"/>
+          </a:xfrm>
+          <a:prstGeom prst="rect">
+            <a:avLst/>
+          </a:prstGeom>
+          <a:noFill/>
+        </p:spPr>
+      </p:pic>
+      <p:pic>
+        <p:nvPicPr>
+          <p:cNvPr id="4100" name="Picture 4" descr="C:\Users\Виктор\Desktop\презентация\Новый точечный рисунок (2).bmp"/>
+          <p:cNvPicPr>
+            <a:picLocks noChangeAspect="1" noChangeArrowheads="1"/>
+          </p:cNvPicPr>
+          <p:nvPr/>
+        </p:nvPicPr>
+        <p:blipFill>
+          <a:blip r:embed="rId4"/>
+          <a:srcRect/>
+          <a:stretch>
+            <a:fillRect/>
+          </a:stretch>
+        </p:blipFill>
+        <p:spPr bwMode="auto">
+          <a:xfrm>
+            <a:off x="1857356" y="3500438"/>
+            <a:ext cx="5359686" cy="785818"/>
+          </a:xfrm>
+          <a:prstGeom prst="rect">
+            <a:avLst/>
+          </a:prstGeom>
+          <a:noFill/>
+        </p:spPr>
+      </p:pic>
+      <p:sp>
+        <p:nvSpPr>
+          <p:cNvPr id="17" name="TextBox 16"/>
+          <p:cNvSpPr txBox="1"/>
+          <p:nvPr/>
+        </p:nvSpPr>
+        <p:spPr>
+          <a:xfrm>
+            <a:off x="785786" y="2214554"/>
+            <a:ext cx="8358214" cy="1159292"/>
+          </a:xfrm>
+          <a:prstGeom prst="rect">
+            <a:avLst/>
+          </a:prstGeom>
+          <a:noFill/>
+        </p:spPr>
+        <p:txBody>
+          <a:bodyPr wrap="square" rtlCol="0">
+            <a:spAutoFit/>
+          </a:bodyPr>
+          <a:lstStyle/>
+          <a:p>
+            <a:r>
+              <a:rPr lang="ru-RU" sz="2200" dirty="0" smtClean="0"/>
+              <a:t>г</a:t>
+            </a:r>
+            <a:r>
+              <a:rPr lang="ru-RU" sz="2200" dirty="0" smtClean="0"/>
+              <a:t>де </a:t>
+            </a:r>
+            <a:r>
+              <a:rPr lang="en-US" sz="2200" dirty="0" smtClean="0"/>
+              <a:t>       </a:t>
+            </a:r>
+            <a:r>
+              <a:rPr lang="ru-RU" sz="2200" dirty="0" smtClean="0"/>
+              <a:t> </a:t>
+            </a:r>
+            <a:r>
+              <a:rPr lang="ru-RU" sz="2200" dirty="0" smtClean="0"/>
+              <a:t>-  объёмная доля фазы </a:t>
+            </a:r>
+            <a:r>
+              <a:rPr lang="en-US" sz="2200" dirty="0" smtClean="0"/>
+              <a:t>     , </a:t>
+            </a:r>
+            <a:r>
+              <a:rPr lang="ru-RU" sz="2200" dirty="0" smtClean="0"/>
+              <a:t>         - концентрация фазы     ,                                    </a:t>
+            </a:r>
+            <a:r>
+              <a:rPr lang="en-US" sz="2200" dirty="0" smtClean="0"/>
+              <a:t>            </a:t>
+            </a:r>
+            <a:r>
+              <a:rPr lang="ru-RU" sz="2200" dirty="0" smtClean="0"/>
+              <a:t>            	</a:t>
+            </a:r>
+            <a:r>
+              <a:rPr lang="en-US" sz="2200" dirty="0" smtClean="0"/>
+              <a:t>-</a:t>
+            </a:r>
+            <a:r>
+              <a:rPr lang="ru-RU" sz="2200" dirty="0" smtClean="0"/>
+              <a:t>  </a:t>
+            </a:r>
+            <a:r>
+              <a:rPr lang="en-US" sz="2200" dirty="0" smtClean="0"/>
+              <a:t> </a:t>
+            </a:r>
+            <a:r>
+              <a:rPr lang="ru-RU" sz="2200" dirty="0" smtClean="0"/>
+              <a:t>молярная концентрация компоненты </a:t>
+            </a:r>
+            <a:r>
+              <a:rPr lang="en-US" sz="2200" dirty="0" smtClean="0"/>
+              <a:t>      </a:t>
+            </a:r>
+            <a:r>
+              <a:rPr lang="ru-RU" sz="2200" dirty="0" smtClean="0"/>
+              <a:t>в фазе      ,         </a:t>
+            </a:r>
+          </a:p>
+          <a:p>
+            <a:pPr>
+              <a:spcBef>
+                <a:spcPts val="400"/>
+              </a:spcBef>
+            </a:pPr>
+            <a:r>
+              <a:rPr lang="ru-RU" sz="2200" dirty="0" smtClean="0"/>
+              <a:t> 	</a:t>
+            </a:r>
+            <a:r>
+              <a:rPr lang="ru-RU" sz="2200" dirty="0" smtClean="0"/>
+              <a:t>-   молярная энергия фазы </a:t>
+            </a:r>
+            <a:endParaRPr lang="ru-RU" sz="2200" dirty="0"/>
+          </a:p>
+        </p:txBody>
+      </p:sp>
+      <p:pic>
+        <p:nvPicPr>
+          <p:cNvPr id="18" name="Picture 5" descr="C:\Users\Виктор\Desktop\презентация\Новый точечный рисунок (3).bmp"/>
+          <p:cNvPicPr>
+            <a:picLocks noChangeAspect="1" noChangeArrowheads="1"/>
+          </p:cNvPicPr>
+          <p:nvPr/>
+        </p:nvPicPr>
+        <p:blipFill>
+          <a:blip r:embed="rId5"/>
+          <a:srcRect/>
+          <a:stretch>
+            <a:fillRect/>
+          </a:stretch>
+        </p:blipFill>
+        <p:spPr bwMode="auto">
+          <a:xfrm>
+            <a:off x="1357290" y="2214554"/>
+            <a:ext cx="338181" cy="360000"/>
+          </a:xfrm>
+          <a:prstGeom prst="rect">
+            <a:avLst/>
+          </a:prstGeom>
+          <a:noFill/>
+        </p:spPr>
+      </p:pic>
+      <p:pic>
+        <p:nvPicPr>
+          <p:cNvPr id="4112" name="Picture 16" descr="C:\Users\Виктор\Desktop\презентация\аlpha.bmp"/>
+          <p:cNvPicPr>
+            <a:picLocks noChangeAspect="1" noChangeArrowheads="1"/>
+          </p:cNvPicPr>
+          <p:nvPr/>
+        </p:nvPicPr>
+        <p:blipFill>
+          <a:blip r:embed="rId6"/>
+          <a:srcRect/>
+          <a:stretch>
+            <a:fillRect/>
+          </a:stretch>
+        </p:blipFill>
+        <p:spPr bwMode="auto">
+          <a:xfrm>
+            <a:off x="4572000" y="2285992"/>
+            <a:ext cx="285752" cy="228602"/>
+          </a:xfrm>
+          <a:prstGeom prst="rect">
+            <a:avLst/>
+          </a:prstGeom>
+          <a:noFill/>
+        </p:spPr>
+      </p:pic>
+      <p:pic>
+        <p:nvPicPr>
+          <p:cNvPr id="4113" name="Picture 17" descr="C:\Users\Виктор\Desktop\презентация\Новый точечный рисунок (12).bmp"/>
+          <p:cNvPicPr>
+            <a:picLocks noChangeAspect="1" noChangeArrowheads="1"/>
+          </p:cNvPicPr>
+          <p:nvPr/>
+        </p:nvPicPr>
+        <p:blipFill>
+          <a:blip r:embed="rId7"/>
+          <a:srcRect/>
+          <a:stretch>
+            <a:fillRect/>
+          </a:stretch>
+        </p:blipFill>
+        <p:spPr bwMode="auto">
+          <a:xfrm>
+            <a:off x="928662" y="2643182"/>
+            <a:ext cx="503826" cy="285752"/>
+          </a:xfrm>
+          <a:prstGeom prst="rect">
+            <a:avLst/>
+          </a:prstGeom>
+          <a:noFill/>
+        </p:spPr>
+      </p:pic>
+      <p:pic>
+        <p:nvPicPr>
+          <p:cNvPr id="22" name="Picture 6" descr="C:\Users\Виктор\Desktop\презентация\Новый точечный рисунок (4).bmp"/>
+          <p:cNvPicPr>
+            <a:picLocks noChangeAspect="1" noChangeArrowheads="1"/>
+          </p:cNvPicPr>
+          <p:nvPr/>
+        </p:nvPicPr>
+        <p:blipFill>
+          <a:blip r:embed="rId8"/>
+          <a:srcRect/>
+          <a:stretch>
+            <a:fillRect/>
+          </a:stretch>
+        </p:blipFill>
+        <p:spPr bwMode="auto">
+          <a:xfrm>
+            <a:off x="5109108" y="2285992"/>
+            <a:ext cx="391586" cy="285752"/>
+          </a:xfrm>
+          <a:prstGeom prst="rect">
+            <a:avLst/>
+          </a:prstGeom>
+          <a:noFill/>
+        </p:spPr>
+      </p:pic>
+      <p:pic>
+        <p:nvPicPr>
+          <p:cNvPr id="4114" name="Picture 18" descr="C:\Users\Виктор\Desktop\презентация\i.bmp"/>
+          <p:cNvPicPr>
+            <a:picLocks noChangeAspect="1" noChangeArrowheads="1"/>
+          </p:cNvPicPr>
+          <p:nvPr/>
+        </p:nvPicPr>
+        <p:blipFill>
+          <a:blip r:embed="rId9"/>
+          <a:srcRect/>
+          <a:stretch>
+            <a:fillRect/>
+          </a:stretch>
+        </p:blipFill>
+        <p:spPr bwMode="auto">
+          <a:xfrm>
+            <a:off x="6643702" y="2698746"/>
+            <a:ext cx="142876" cy="301626"/>
+          </a:xfrm>
+          <a:prstGeom prst="rect">
+            <a:avLst/>
+          </a:prstGeom>
+          <a:noFill/>
+        </p:spPr>
+      </p:pic>
+      <p:pic>
+        <p:nvPicPr>
+          <p:cNvPr id="24" name="Picture 16" descr="C:\Users\Виктор\Desktop\презентация\аlpha.bmp"/>
+          <p:cNvPicPr>
+            <a:picLocks noChangeAspect="1" noChangeArrowheads="1"/>
+          </p:cNvPicPr>
+          <p:nvPr/>
+        </p:nvPicPr>
+        <p:blipFill>
+          <a:blip r:embed="rId6"/>
+          <a:srcRect/>
+          <a:stretch>
+            <a:fillRect/>
+          </a:stretch>
+        </p:blipFill>
+        <p:spPr bwMode="auto">
+          <a:xfrm>
+            <a:off x="8143900" y="2285992"/>
+            <a:ext cx="285752" cy="228602"/>
+          </a:xfrm>
+          <a:prstGeom prst="rect">
+            <a:avLst/>
+          </a:prstGeom>
+          <a:noFill/>
+        </p:spPr>
+      </p:pic>
+      <p:pic>
+        <p:nvPicPr>
+          <p:cNvPr id="25" name="Picture 8" descr="C:\Users\Виктор\Desktop\презентация\Новый точечный рисунок (5).bmp"/>
+          <p:cNvPicPr>
+            <a:picLocks noChangeAspect="1" noChangeArrowheads="1"/>
+          </p:cNvPicPr>
+          <p:nvPr/>
+        </p:nvPicPr>
+        <p:blipFill>
+          <a:blip r:embed="rId10"/>
+          <a:srcRect/>
+          <a:stretch>
+            <a:fillRect/>
+          </a:stretch>
+        </p:blipFill>
+        <p:spPr bwMode="auto">
+          <a:xfrm>
+            <a:off x="928662" y="3000372"/>
+            <a:ext cx="357190" cy="270971"/>
+          </a:xfrm>
+          <a:prstGeom prst="rect">
+            <a:avLst/>
+          </a:prstGeom>
+          <a:noFill/>
+        </p:spPr>
+      </p:pic>
+      <p:sp>
+        <p:nvSpPr>
+          <p:cNvPr id="27" name="TextBox 26"/>
+          <p:cNvSpPr txBox="1"/>
+          <p:nvPr/>
+        </p:nvSpPr>
+        <p:spPr>
+          <a:xfrm>
+            <a:off x="785786" y="4214818"/>
+            <a:ext cx="7929618" cy="769441"/>
+          </a:xfrm>
+          <a:prstGeom prst="rect">
+            <a:avLst/>
+          </a:prstGeom>
+          <a:noFill/>
+        </p:spPr>
+        <p:txBody>
+          <a:bodyPr wrap="square" rtlCol="0">
+            <a:spAutoFit/>
+          </a:bodyPr>
+          <a:lstStyle/>
+          <a:p>
+            <a:pPr>
+              <a:spcBef>
+                <a:spcPts val="800"/>
+              </a:spcBef>
+            </a:pPr>
+            <a:r>
+              <a:rPr lang="ru-RU" sz="2200" dirty="0" smtClean="0"/>
+              <a:t>г</a:t>
+            </a:r>
+            <a:r>
+              <a:rPr lang="ru-RU" sz="2200" dirty="0" smtClean="0"/>
+              <a:t>де          -  энтальпия фазы       ,  а            -  скорость </a:t>
+            </a:r>
+            <a:r>
+              <a:rPr lang="ru-RU" sz="2200" dirty="0" smtClean="0"/>
+              <a:t>фильтрации </a:t>
+            </a:r>
+            <a:r>
+              <a:rPr lang="ru-RU" sz="2200" dirty="0" smtClean="0"/>
+              <a:t>фазы      , задаваемая   законом   </a:t>
+            </a:r>
+            <a:r>
+              <a:rPr lang="ru-RU" sz="2200" dirty="0" err="1" smtClean="0"/>
+              <a:t>Дарси</a:t>
+            </a:r>
+            <a:endParaRPr lang="ru-RU" sz="2200" dirty="0"/>
+          </a:p>
+        </p:txBody>
+      </p:sp>
+      <p:pic>
+        <p:nvPicPr>
+          <p:cNvPr id="28" name="Picture 11" descr="C:\Users\Виктор\Desktop\презентация\Новый точечный рисунок (8).bmp"/>
+          <p:cNvPicPr>
+            <a:picLocks noChangeAspect="1" noChangeArrowheads="1"/>
+          </p:cNvPicPr>
+          <p:nvPr/>
+        </p:nvPicPr>
+        <p:blipFill>
+          <a:blip r:embed="rId11"/>
+          <a:srcRect/>
+          <a:stretch>
+            <a:fillRect/>
+          </a:stretch>
+        </p:blipFill>
+        <p:spPr bwMode="auto">
+          <a:xfrm>
+            <a:off x="1428728" y="4214818"/>
+            <a:ext cx="317647" cy="360000"/>
+          </a:xfrm>
+          <a:prstGeom prst="rect">
+            <a:avLst/>
+          </a:prstGeom>
+          <a:noFill/>
+        </p:spPr>
+      </p:pic>
+      <p:pic>
+        <p:nvPicPr>
+          <p:cNvPr id="29" name="Picture 12" descr="C:\Users\Виктор\Desktop\презентация\Новый точечный рисунок (9).bmp"/>
+          <p:cNvPicPr>
+            <a:picLocks noChangeAspect="1" noChangeArrowheads="1"/>
+          </p:cNvPicPr>
+          <p:nvPr/>
+        </p:nvPicPr>
+        <p:blipFill>
+          <a:blip r:embed="rId12"/>
+          <a:srcRect/>
+          <a:stretch>
+            <a:fillRect/>
+          </a:stretch>
+        </p:blipFill>
+        <p:spPr bwMode="auto">
+          <a:xfrm>
+            <a:off x="4841443" y="4286256"/>
+            <a:ext cx="516375" cy="324000"/>
+          </a:xfrm>
+          <a:prstGeom prst="rect">
+            <a:avLst/>
+          </a:prstGeom>
+          <a:noFill/>
+        </p:spPr>
+      </p:pic>
+      <p:sp>
+        <p:nvSpPr>
+          <p:cNvPr id="33" name="TextBox 32"/>
+          <p:cNvSpPr txBox="1"/>
+          <p:nvPr/>
+        </p:nvSpPr>
+        <p:spPr>
+          <a:xfrm>
+            <a:off x="785786" y="5786454"/>
+            <a:ext cx="8143900" cy="769441"/>
+          </a:xfrm>
+          <a:prstGeom prst="rect">
+            <a:avLst/>
+          </a:prstGeom>
+          <a:noFill/>
+        </p:spPr>
+        <p:txBody>
+          <a:bodyPr wrap="square" rtlCol="0">
+            <a:spAutoFit/>
+          </a:bodyPr>
+          <a:lstStyle/>
+          <a:p>
+            <a:r>
+              <a:rPr lang="ru-RU" sz="2200" dirty="0" smtClean="0"/>
+              <a:t>        -  проницаемость </a:t>
+            </a:r>
+            <a:r>
+              <a:rPr lang="ru-RU" sz="2200" dirty="0" smtClean="0"/>
+              <a:t>скелета</a:t>
+            </a:r>
+            <a:r>
+              <a:rPr lang="ru-RU" sz="2200" dirty="0" smtClean="0"/>
+              <a:t>,          -  </a:t>
+            </a:r>
+            <a:r>
+              <a:rPr lang="ru-RU" sz="2200" dirty="0" smtClean="0"/>
+              <a:t>относительная фазовая проницаемость</a:t>
+            </a:r>
+            <a:endParaRPr lang="ru-RU" sz="2200" dirty="0"/>
+          </a:p>
+        </p:txBody>
+      </p:sp>
+      <p:pic>
+        <p:nvPicPr>
+          <p:cNvPr id="34" name="Picture 13" descr="C:\Users\Виктор\Desktop\презентация\Новый точечный рисунок (10).bmp"/>
+          <p:cNvPicPr>
+            <a:picLocks noChangeAspect="1" noChangeArrowheads="1"/>
+          </p:cNvPicPr>
+          <p:nvPr/>
+        </p:nvPicPr>
+        <p:blipFill>
+          <a:blip r:embed="rId13"/>
+          <a:srcRect/>
+          <a:stretch>
+            <a:fillRect/>
+          </a:stretch>
+        </p:blipFill>
+        <p:spPr bwMode="auto">
+          <a:xfrm>
+            <a:off x="4572000" y="5857892"/>
+            <a:ext cx="384000" cy="288000"/>
+          </a:xfrm>
+          <a:prstGeom prst="rect">
+            <a:avLst/>
+          </a:prstGeom>
+          <a:noFill/>
+        </p:spPr>
+      </p:pic>
+      <p:pic>
+        <p:nvPicPr>
+          <p:cNvPr id="35" name="Picture 14" descr="C:\Users\Виктор\Desktop\презентация\Новый точечный рисунок (11).bmp"/>
+          <p:cNvPicPr>
+            <a:picLocks noChangeAspect="1" noChangeArrowheads="1"/>
+          </p:cNvPicPr>
+          <p:nvPr/>
+        </p:nvPicPr>
+        <p:blipFill>
+          <a:blip r:embed="rId14"/>
+          <a:srcRect/>
+          <a:stretch>
+            <a:fillRect/>
+          </a:stretch>
+        </p:blipFill>
+        <p:spPr bwMode="auto">
+          <a:xfrm>
+            <a:off x="928662" y="5786454"/>
+            <a:ext cx="280800" cy="324000"/>
+          </a:xfrm>
+          <a:prstGeom prst="rect">
+            <a:avLst/>
+          </a:prstGeom>
+          <a:noFill/>
+        </p:spPr>
+      </p:pic>
+      <p:pic>
+        <p:nvPicPr>
+          <p:cNvPr id="36" name="Picture 16" descr="C:\Users\Виктор\Desktop\презентация\аlpha.bmp"/>
+          <p:cNvPicPr>
+            <a:picLocks noChangeAspect="1" noChangeArrowheads="1"/>
+          </p:cNvPicPr>
+          <p:nvPr/>
+        </p:nvPicPr>
+        <p:blipFill>
+          <a:blip r:embed="rId6"/>
+          <a:srcRect/>
+          <a:stretch>
+            <a:fillRect/>
+          </a:stretch>
+        </p:blipFill>
+        <p:spPr bwMode="auto">
+          <a:xfrm>
+            <a:off x="7786710" y="2643182"/>
+            <a:ext cx="285752" cy="228602"/>
+          </a:xfrm>
+          <a:prstGeom prst="rect">
+            <a:avLst/>
+          </a:prstGeom>
+          <a:noFill/>
+        </p:spPr>
+      </p:pic>
+      <p:pic>
+        <p:nvPicPr>
+          <p:cNvPr id="37" name="Picture 16" descr="C:\Users\Виктор\Desktop\презентация\аlpha.bmp"/>
+          <p:cNvPicPr>
+            <a:picLocks noChangeAspect="1" noChangeArrowheads="1"/>
+          </p:cNvPicPr>
+          <p:nvPr/>
+        </p:nvPicPr>
+        <p:blipFill>
+          <a:blip r:embed="rId6"/>
+          <a:srcRect/>
+          <a:stretch>
+            <a:fillRect/>
+          </a:stretch>
+        </p:blipFill>
+        <p:spPr bwMode="auto">
+          <a:xfrm>
+            <a:off x="4929190" y="3000372"/>
+            <a:ext cx="285752" cy="228602"/>
+          </a:xfrm>
+          <a:prstGeom prst="rect">
+            <a:avLst/>
+          </a:prstGeom>
+          <a:noFill/>
+        </p:spPr>
+      </p:pic>
+      <p:pic>
+        <p:nvPicPr>
+          <p:cNvPr id="38" name="Picture 16" descr="C:\Users\Виктор\Desktop\презентация\аlpha.bmp"/>
+          <p:cNvPicPr>
+            <a:picLocks noChangeAspect="1" noChangeArrowheads="1"/>
+          </p:cNvPicPr>
+          <p:nvPr/>
+        </p:nvPicPr>
+        <p:blipFill>
+          <a:blip r:embed="rId6"/>
+          <a:srcRect/>
+          <a:stretch>
+            <a:fillRect/>
+          </a:stretch>
+        </p:blipFill>
+        <p:spPr bwMode="auto">
+          <a:xfrm>
+            <a:off x="4071934" y="4286256"/>
+            <a:ext cx="285752" cy="228602"/>
+          </a:xfrm>
+          <a:prstGeom prst="rect">
+            <a:avLst/>
+          </a:prstGeom>
+          <a:noFill/>
+        </p:spPr>
+      </p:pic>
+      <p:pic>
+        <p:nvPicPr>
+          <p:cNvPr id="39" name="Picture 16" descr="C:\Users\Виктор\Desktop\презентация\аlpha.bmp"/>
+          <p:cNvPicPr>
+            <a:picLocks noChangeAspect="1" noChangeArrowheads="1"/>
+          </p:cNvPicPr>
+          <p:nvPr/>
+        </p:nvPicPr>
+        <p:blipFill>
+          <a:blip r:embed="rId6"/>
+          <a:srcRect/>
+          <a:stretch>
+            <a:fillRect/>
+          </a:stretch>
+        </p:blipFill>
+        <p:spPr bwMode="auto">
+          <a:xfrm>
+            <a:off x="1571604" y="4643446"/>
+            <a:ext cx="285752" cy="228602"/>
+          </a:xfrm>
+          <a:prstGeom prst="rect">
+            <a:avLst/>
+          </a:prstGeom>
+          <a:noFill/>
+        </p:spPr>
+      </p:pic>
+    </p:spTree>
+  </p:cSld>
+  <p:clrMapOvr>
+    <a:masterClrMapping/>
+  </p:clrMapOvr>
 </p:sld>
 </file>
 
@@ -4785,32 +6164,40 @@
           <a:p>
             <a:pPr algn="just"/>
             <a:r>
-              <a:rPr lang="ru-RU" sz="2200" dirty="0" smtClean="0"/>
-              <a:t>Построение численной модели равновесных химических реакций</a:t>
+              <a:rPr lang="ru-RU" sz="2800" dirty="0" smtClean="0"/>
+              <a:t>Создание программной </a:t>
+            </a:r>
+            <a:r>
+              <a:rPr lang="ru-RU" sz="2800" dirty="0" smtClean="0"/>
+              <a:t>реализации модели равновесных химических реакций</a:t>
             </a:r>
           </a:p>
           <a:p>
             <a:pPr algn="just"/>
-            <a:endParaRPr lang="ru-RU" sz="2200" dirty="0" smtClean="0"/>
+            <a:endParaRPr lang="ru-RU" sz="2800" dirty="0" smtClean="0"/>
           </a:p>
           <a:p>
             <a:pPr algn="just"/>
             <a:r>
-              <a:rPr lang="ru-RU" sz="2200" dirty="0" smtClean="0"/>
-              <a:t>Создание программной реализации модели</a:t>
+              <a:rPr lang="ru-RU" sz="2800" dirty="0" smtClean="0"/>
+              <a:t>Добавление написанного модуля к симулятору многофазных фильтрационных течений</a:t>
             </a:r>
           </a:p>
           <a:p>
             <a:pPr algn="just"/>
-            <a:endParaRPr lang="ru-RU" sz="2200" dirty="0" smtClean="0"/>
+            <a:endParaRPr lang="ru-RU" sz="2800" dirty="0" smtClean="0"/>
           </a:p>
           <a:p>
             <a:pPr algn="just"/>
             <a:r>
-              <a:rPr lang="ru-RU" sz="2200" dirty="0" smtClean="0"/>
-              <a:t>Добавление написанного модуля к симулятору многофазных фильтрационных течений,  для проведения численных экспериментов</a:t>
-            </a:r>
-            <a:endParaRPr lang="ru-RU" sz="2200" dirty="0"/>
+              <a:rPr lang="ru-RU" sz="2800" dirty="0" smtClean="0"/>
+              <a:t>П</a:t>
+            </a:r>
+            <a:r>
+              <a:rPr lang="ru-RU" sz="2800" dirty="0" smtClean="0"/>
+              <a:t>роведение численных экспериментов по закачке углекислого газа в водоносный пласт</a:t>
+            </a:r>
+            <a:endParaRPr lang="ru-RU" sz="2800" dirty="0"/>
           </a:p>
         </p:txBody>
       </p:sp>
@@ -4888,7 +6275,7 @@
         </p:blipFill>
         <p:spPr bwMode="auto">
           <a:xfrm>
-            <a:off x="714348" y="1928802"/>
+            <a:off x="2428860" y="1571612"/>
             <a:ext cx="4286280" cy="2286016"/>
           </a:xfrm>
           <a:prstGeom prst="rect">
@@ -4905,8 +6292,8 @@
         </p:nvSpPr>
         <p:spPr>
           <a:xfrm>
-            <a:off x="857224" y="4286256"/>
-            <a:ext cx="7500990" cy="1785104"/>
+            <a:off x="857224" y="3857628"/>
+            <a:ext cx="8072494" cy="2195473"/>
           </a:xfrm>
           <a:prstGeom prst="rect">
             <a:avLst/>
@@ -4920,104 +6307,144 @@
           <a:lstStyle/>
           <a:p>
             <a:r>
-              <a:rPr lang="ru-RU" sz="2200" i="1" dirty="0" smtClean="0">
+              <a:rPr lang="ru-RU" sz="2600" i="1" dirty="0" smtClean="0">
                 <a:latin typeface="Times New Roman" pitchFamily="18" charset="0"/>
                 <a:cs typeface="Times New Roman" pitchFamily="18" charset="0"/>
               </a:rPr>
               <a:t>   </a:t>
             </a:r>
             <a:r>
-              <a:rPr lang="en-US" sz="2200" dirty="0" smtClean="0">
+              <a:rPr lang="en-US" sz="2600" dirty="0" smtClean="0">
                 <a:latin typeface="Times New Roman" pitchFamily="18" charset="0"/>
                 <a:cs typeface="Times New Roman" pitchFamily="18" charset="0"/>
               </a:rPr>
               <a:t> </a:t>
             </a:r>
             <a:r>
-              <a:rPr lang="ru-RU" sz="2200" dirty="0" smtClean="0">
+              <a:rPr lang="ru-RU" sz="2600" dirty="0" smtClean="0">
                 <a:latin typeface="Times New Roman" pitchFamily="18" charset="0"/>
                 <a:cs typeface="Times New Roman" pitchFamily="18" charset="0"/>
               </a:rPr>
               <a:t> </a:t>
             </a:r>
             <a:r>
-              <a:rPr lang="en-US" sz="2200" dirty="0" smtClean="0">
+              <a:rPr lang="ru-RU" sz="2600" dirty="0" smtClean="0">
+                <a:latin typeface="Times New Roman" pitchFamily="18" charset="0"/>
+                <a:cs typeface="Times New Roman" pitchFamily="18" charset="0"/>
+              </a:rPr>
+              <a:t> </a:t>
+            </a:r>
+            <a:r>
+              <a:rPr lang="en-US" sz="2600" dirty="0" smtClean="0">
+                <a:latin typeface="Times New Roman" pitchFamily="18" charset="0"/>
+                <a:cs typeface="Times New Roman" pitchFamily="18" charset="0"/>
+              </a:rPr>
+              <a:t>–</a:t>
+            </a:r>
+            <a:r>
+              <a:rPr lang="ru-RU" sz="2600" dirty="0" smtClean="0">
+                <a:latin typeface="Times New Roman" pitchFamily="18" charset="0"/>
+                <a:cs typeface="Times New Roman" pitchFamily="18" charset="0"/>
+              </a:rPr>
+              <a:t> </a:t>
+            </a:r>
+            <a:r>
+              <a:rPr lang="en-US" sz="2600" dirty="0" smtClean="0">
+                <a:latin typeface="Times New Roman" pitchFamily="18" charset="0"/>
+                <a:cs typeface="Times New Roman" pitchFamily="18" charset="0"/>
+              </a:rPr>
+              <a:t> </a:t>
+            </a:r>
+            <a:r>
+              <a:rPr lang="ru-RU" sz="2600" dirty="0" smtClean="0">
+                <a:latin typeface="+mj-lt"/>
+                <a:cs typeface="Times New Roman" pitchFamily="18" charset="0"/>
+              </a:rPr>
+              <a:t>молярные концентрации компонент</a:t>
+            </a:r>
+            <a:endParaRPr lang="en-US" sz="2600" dirty="0" smtClean="0">
+              <a:latin typeface="Times New Roman" pitchFamily="18" charset="0"/>
+              <a:cs typeface="Times New Roman" pitchFamily="18" charset="0"/>
+            </a:endParaRPr>
+          </a:p>
+          <a:p>
+            <a:pPr>
+              <a:spcBef>
+                <a:spcPts val="800"/>
+              </a:spcBef>
+            </a:pPr>
+            <a:r>
+              <a:rPr lang="ru-RU" sz="2600" i="1" dirty="0" smtClean="0">
+                <a:latin typeface="Times New Roman" pitchFamily="18" charset="0"/>
+                <a:cs typeface="Times New Roman" pitchFamily="18" charset="0"/>
+              </a:rPr>
+              <a:t>    </a:t>
+            </a:r>
+            <a:r>
+              <a:rPr lang="en-US" sz="2600" dirty="0" smtClean="0">
+                <a:latin typeface="Times New Roman" pitchFamily="18" charset="0"/>
+                <a:cs typeface="Times New Roman" pitchFamily="18" charset="0"/>
+              </a:rPr>
+              <a:t> </a:t>
+            </a:r>
+            <a:r>
+              <a:rPr lang="ru-RU" sz="2600" dirty="0" smtClean="0">
+                <a:latin typeface="Times New Roman" pitchFamily="18" charset="0"/>
+                <a:cs typeface="Times New Roman" pitchFamily="18" charset="0"/>
+              </a:rPr>
+              <a:t> </a:t>
+            </a:r>
+            <a:r>
+              <a:rPr lang="en-US" sz="2600" dirty="0" smtClean="0">
                 <a:latin typeface="Times New Roman" pitchFamily="18" charset="0"/>
                 <a:cs typeface="Times New Roman" pitchFamily="18" charset="0"/>
               </a:rPr>
               <a:t>– </a:t>
             </a:r>
             <a:r>
-              <a:rPr lang="ru-RU" sz="2200" dirty="0" smtClean="0">
-                <a:latin typeface="+mj-lt"/>
-                <a:cs typeface="Times New Roman" pitchFamily="18" charset="0"/>
-              </a:rPr>
-              <a:t>молярные концентрации компонент</a:t>
-            </a:r>
-            <a:endParaRPr lang="en-US" sz="2200" dirty="0" smtClean="0">
-              <a:latin typeface="Times New Roman" pitchFamily="18" charset="0"/>
-              <a:cs typeface="Times New Roman" pitchFamily="18" charset="0"/>
-            </a:endParaRPr>
-          </a:p>
-          <a:p>
-            <a:r>
-              <a:rPr lang="ru-RU" sz="2200" i="1" dirty="0" smtClean="0">
-                <a:latin typeface="Times New Roman" pitchFamily="18" charset="0"/>
-                <a:cs typeface="Times New Roman" pitchFamily="18" charset="0"/>
-              </a:rPr>
-              <a:t>    </a:t>
-            </a:r>
-            <a:r>
-              <a:rPr lang="en-US" sz="2200" dirty="0" smtClean="0">
-                <a:latin typeface="Times New Roman" pitchFamily="18" charset="0"/>
-                <a:cs typeface="Times New Roman" pitchFamily="18" charset="0"/>
-              </a:rPr>
-              <a:t> – </a:t>
-            </a:r>
-            <a:r>
-              <a:rPr lang="ru-RU" sz="2200" dirty="0" smtClean="0">
+              <a:rPr lang="ru-RU" sz="2600" dirty="0" smtClean="0">
                 <a:latin typeface="Times New Roman" pitchFamily="18" charset="0"/>
                 <a:cs typeface="Times New Roman" pitchFamily="18" charset="0"/>
               </a:rPr>
               <a:t> </a:t>
             </a:r>
             <a:r>
-              <a:rPr lang="ru-RU" sz="2200" dirty="0" smtClean="0">
+              <a:rPr lang="ru-RU" sz="2600" dirty="0" smtClean="0">
                 <a:latin typeface="+mj-lt"/>
                 <a:cs typeface="Times New Roman" pitchFamily="18" charset="0"/>
               </a:rPr>
               <a:t>плотность энергии среды</a:t>
             </a:r>
-            <a:endParaRPr lang="en-US" sz="2200" dirty="0" smtClean="0">
+            <a:endParaRPr lang="en-US" sz="2600" dirty="0" smtClean="0">
               <a:latin typeface="+mj-lt"/>
               <a:cs typeface="Times New Roman" pitchFamily="18" charset="0"/>
             </a:endParaRPr>
           </a:p>
           <a:p>
-            <a:endParaRPr lang="ru-RU" sz="2200" dirty="0" smtClean="0"/>
-          </a:p>
-          <a:p>
-            <a:r>
-              <a:rPr lang="ru-RU" sz="2200" dirty="0" smtClean="0"/>
-              <a:t>Химические реакции учитываются в модели в качестве источников количества </a:t>
-            </a:r>
-            <a:r>
-              <a:rPr lang="ru-RU" sz="2200" dirty="0" smtClean="0"/>
-              <a:t>вещества</a:t>
-            </a:r>
-            <a:r>
-              <a:rPr lang="en-US" sz="2200" dirty="0" smtClean="0"/>
+            <a:endParaRPr lang="ru-RU" sz="2600" dirty="0" smtClean="0"/>
+          </a:p>
+          <a:p>
+            <a:r>
+              <a:rPr lang="ru-RU" sz="2600" dirty="0" smtClean="0"/>
+              <a:t>Химические реакции учитываются в </a:t>
+            </a:r>
+            <a:r>
+              <a:rPr lang="ru-RU" sz="2600" dirty="0" smtClean="0"/>
+              <a:t>модели в качестве </a:t>
+            </a:r>
+            <a:r>
+              <a:rPr lang="ru-RU" sz="2600" dirty="0" smtClean="0"/>
+              <a:t>источников количества вещества</a:t>
+            </a:r>
+            <a:r>
+              <a:rPr lang="en-US" sz="2600" dirty="0" smtClean="0"/>
               <a:t>        </a:t>
             </a:r>
             <a:r>
-              <a:rPr lang="ru-RU" sz="2200" dirty="0" smtClean="0"/>
-              <a:t>и </a:t>
-            </a:r>
-            <a:r>
-              <a:rPr lang="ru-RU" sz="2200" dirty="0" smtClean="0"/>
-              <a:t>энергии </a:t>
-            </a:r>
-            <a:endParaRPr lang="ru-RU" sz="2200" b="1" dirty="0">
+              <a:rPr lang="ru-RU" sz="2600" dirty="0" smtClean="0"/>
+              <a:t>и энергии </a:t>
+            </a:r>
+            <a:endParaRPr lang="ru-RU" sz="2600" b="1" dirty="0">
               <a:latin typeface="Times New Roman" pitchFamily="18" charset="0"/>
               <a:cs typeface="Times New Roman" pitchFamily="18" charset="0"/>
             </a:endParaRPr>
@@ -5041,8 +6468,8 @@
         </p:blipFill>
         <p:spPr bwMode="auto">
           <a:xfrm>
-            <a:off x="928662" y="4714884"/>
-            <a:ext cx="214314" cy="261939"/>
+            <a:off x="928662" y="4429132"/>
+            <a:ext cx="285752" cy="349252"/>
           </a:xfrm>
           <a:prstGeom prst="rect">
             <a:avLst/>
@@ -5067,8 +6494,8 @@
         </p:blipFill>
         <p:spPr bwMode="auto">
           <a:xfrm>
-            <a:off x="928662" y="4357694"/>
-            <a:ext cx="285752" cy="321471"/>
+            <a:off x="928662" y="3920136"/>
+            <a:ext cx="357190" cy="401839"/>
           </a:xfrm>
           <a:prstGeom prst="rect">
             <a:avLst/>
@@ -5093,7 +6520,7 @@
         </p:blipFill>
         <p:spPr bwMode="auto">
           <a:xfrm>
-            <a:off x="4929190" y="5643579"/>
+            <a:off x="5715008" y="5643578"/>
             <a:ext cx="317502" cy="357190"/>
           </a:xfrm>
           <a:prstGeom prst="rect">
@@ -5119,7 +6546,7 @@
         </p:blipFill>
         <p:spPr bwMode="auto">
           <a:xfrm>
-            <a:off x="6643702" y="5643578"/>
+            <a:off x="7643834" y="5643578"/>
             <a:ext cx="349254" cy="316800"/>
           </a:xfrm>
           <a:prstGeom prst="rect">
@@ -5191,8 +6618,8 @@
         </p:nvSpPr>
         <p:spPr>
           <a:xfrm>
-            <a:off x="642910" y="2000240"/>
-            <a:ext cx="8358246" cy="1785104"/>
+            <a:off x="642910" y="1571612"/>
+            <a:ext cx="8358246" cy="4344779"/>
           </a:xfrm>
           <a:prstGeom prst="rect">
             <a:avLst/>
@@ -5204,50 +6631,93 @@
             <a:spAutoFit/>
           </a:bodyPr>
           <a:lstStyle/>
+          <a:p>
+            <a:pPr>
+              <a:lnSpc>
+                <a:spcPct val="150000"/>
+              </a:lnSpc>
+              <a:buFont typeface="Arial" pitchFamily="34" charset="0"/>
+              <a:buChar char="•"/>
+            </a:pPr>
+            <a:r>
+              <a:rPr lang="ru-RU" sz="2600" dirty="0" smtClean="0"/>
+              <a:t> </a:t>
+            </a:r>
+            <a:r>
+              <a:rPr lang="ru-RU" sz="2600" dirty="0" smtClean="0"/>
+              <a:t> Для химических реакций </a:t>
+            </a:r>
+            <a:r>
+              <a:rPr lang="ru-RU" sz="2600" dirty="0" smtClean="0"/>
+              <a:t>с конечной скоростью используется </a:t>
+            </a:r>
+            <a:r>
+              <a:rPr lang="ru-RU" sz="2600" dirty="0" smtClean="0"/>
+              <a:t>  закон  </a:t>
+            </a:r>
+            <a:r>
+              <a:rPr lang="ru-RU" sz="2600" dirty="0" err="1" smtClean="0"/>
+              <a:t>Арениуса</a:t>
+            </a:r>
+            <a:endParaRPr lang="ru-RU" sz="2600" dirty="0" smtClean="0"/>
+          </a:p>
           <a:p>
             <a:pPr>
               <a:buFont typeface="Arial" pitchFamily="34" charset="0"/>
               <a:buChar char="•"/>
             </a:pPr>
-            <a:r>
-              <a:rPr lang="ru-RU" sz="2200" dirty="0" smtClean="0"/>
-              <a:t> Для реакций с конечной скоростью используется  закон </a:t>
-            </a:r>
-            <a:r>
-              <a:rPr lang="ru-RU" sz="2200" dirty="0" err="1" smtClean="0"/>
-              <a:t>Арениуса</a:t>
-            </a:r>
-            <a:endParaRPr lang="ru-RU" sz="2200" dirty="0" smtClean="0"/>
+            <a:endParaRPr lang="ru-RU" sz="2600" dirty="0" smtClean="0"/>
           </a:p>
           <a:p>
             <a:pPr>
               <a:buFont typeface="Arial" pitchFamily="34" charset="0"/>
               <a:buChar char="•"/>
             </a:pPr>
-            <a:endParaRPr lang="ru-RU" sz="2200" dirty="0" smtClean="0"/>
-          </a:p>
-          <a:p>
-            <a:pPr algn="just">
+            <a:endParaRPr lang="ru-RU" sz="2600" dirty="0" smtClean="0"/>
+          </a:p>
+          <a:p>
+            <a:pPr>
               <a:buFont typeface="Arial" pitchFamily="34" charset="0"/>
               <a:buChar char="•"/>
             </a:pPr>
-            <a:r>
-              <a:rPr lang="ru-RU" sz="2200" dirty="0" smtClean="0"/>
-              <a:t> В случае равновесной хим. реакции имеется равновесное соотношение                    </a:t>
-            </a:r>
-            <a:r>
-              <a:rPr lang="ru-RU" sz="2200" dirty="0" smtClean="0"/>
-              <a:t> </a:t>
-            </a:r>
-            <a:r>
-              <a:rPr lang="ru-RU" sz="2200" dirty="0" smtClean="0"/>
-              <a:t>, </a:t>
-            </a:r>
-            <a:r>
-              <a:rPr lang="ru-RU" sz="2200" dirty="0" smtClean="0"/>
-              <a:t>выражающее равенство скоростей прямой и обратной реакций</a:t>
-            </a:r>
-            <a:endParaRPr lang="ru-RU" sz="2200" dirty="0"/>
+            <a:endParaRPr lang="ru-RU" sz="2600" dirty="0" smtClean="0"/>
+          </a:p>
+          <a:p>
+            <a:pPr>
+              <a:lnSpc>
+                <a:spcPct val="150000"/>
+              </a:lnSpc>
+              <a:spcBef>
+                <a:spcPts val="400"/>
+              </a:spcBef>
+              <a:buFont typeface="Arial" pitchFamily="34" charset="0"/>
+              <a:buChar char="•"/>
+            </a:pPr>
+            <a:r>
+              <a:rPr lang="ru-RU" sz="2600" dirty="0" smtClean="0"/>
+              <a:t>  В </a:t>
+            </a:r>
+            <a:r>
+              <a:rPr lang="ru-RU" sz="2600" dirty="0" smtClean="0"/>
+              <a:t>случае равновесной </a:t>
+            </a:r>
+            <a:r>
+              <a:rPr lang="ru-RU" sz="2600" dirty="0" smtClean="0"/>
+              <a:t>химической </a:t>
+            </a:r>
+            <a:r>
+              <a:rPr lang="ru-RU" sz="2600" dirty="0" smtClean="0"/>
+              <a:t>реакции имеется равновесное соотношение </a:t>
+            </a:r>
+            <a:r>
+              <a:rPr lang="ru-RU" sz="2600" dirty="0" smtClean="0"/>
+              <a:t>                        ,   выражающее  равенство  скоростей прямой </a:t>
+            </a:r>
+            <a:r>
+              <a:rPr lang="ru-RU" sz="2600" dirty="0" smtClean="0"/>
+              <a:t>и обратной реакций</a:t>
+            </a:r>
+            <a:endParaRPr lang="ru-RU" sz="2600" dirty="0"/>
           </a:p>
         </p:txBody>
       </p:sp>
@@ -5260,7 +6730,7 @@
           <p:nvPr/>
         </p:nvPicPr>
         <p:blipFill>
-          <a:blip r:embed="rId2"/>
+          <a:blip r:embed="rId3"/>
           <a:srcRect/>
           <a:stretch>
             <a:fillRect/>
@@ -5268,8 +6738,60 @@
         </p:blipFill>
         <p:spPr bwMode="auto">
           <a:xfrm>
-            <a:off x="2714612" y="3000372"/>
+            <a:off x="4857752" y="4786322"/>
             <a:ext cx="1500198" cy="362839"/>
+          </a:xfrm>
+          <a:prstGeom prst="rect">
+            <a:avLst/>
+          </a:prstGeom>
+          <a:noFill/>
+        </p:spPr>
+      </p:pic>
+      <p:pic>
+        <p:nvPicPr>
+          <p:cNvPr id="1026" name="Picture 2" descr="C:\Users\Виктор\Desktop\презентация\Арениус.png"/>
+          <p:cNvPicPr>
+            <a:picLocks noChangeAspect="1" noChangeArrowheads="1"/>
+          </p:cNvPicPr>
+          <p:nvPr/>
+        </p:nvPicPr>
+        <p:blipFill>
+          <a:blip r:embed="rId4"/>
+          <a:srcRect/>
+          <a:stretch>
+            <a:fillRect/>
+          </a:stretch>
+        </p:blipFill>
+        <p:spPr bwMode="auto">
+          <a:xfrm>
+            <a:off x="2928926" y="2714620"/>
+            <a:ext cx="3372551" cy="1214446"/>
+          </a:xfrm>
+          <a:prstGeom prst="rect">
+            <a:avLst/>
+          </a:prstGeom>
+          <a:noFill/>
+        </p:spPr>
+      </p:pic>
+      <p:pic>
+        <p:nvPicPr>
+          <p:cNvPr id="1027" name="Picture 3" descr="C:\Users\Виктор\Desktop\презентация\п=о.bmp"/>
+          <p:cNvPicPr>
+            <a:picLocks noChangeAspect="1" noChangeArrowheads="1"/>
+          </p:cNvPicPr>
+          <p:nvPr/>
+        </p:nvPicPr>
+        <p:blipFill>
+          <a:blip r:embed="rId5"/>
+          <a:srcRect/>
+          <a:stretch>
+            <a:fillRect/>
+          </a:stretch>
+        </p:blipFill>
+        <p:spPr bwMode="auto">
+          <a:xfrm>
+            <a:off x="3571868" y="6000768"/>
+            <a:ext cx="2071703" cy="341489"/>
           </a:xfrm>
           <a:prstGeom prst="rect">
             <a:avLst/>
@@ -5377,7 +6899,7 @@
         </p:blipFill>
         <p:spPr bwMode="auto">
           <a:xfrm>
-            <a:off x="2714612" y="5000636"/>
+            <a:off x="2714612" y="5088865"/>
             <a:ext cx="3286148" cy="554713"/>
           </a:xfrm>
           <a:prstGeom prst="rect">
@@ -5414,19 +6936,47 @@
             </a:r>
             <a:r>
               <a:rPr lang="en-US" sz="2200" dirty="0" smtClean="0"/>
-              <a:t>       - </a:t>
-            </a:r>
-            <a:r>
-              <a:rPr lang="ru-RU" sz="2200" dirty="0" smtClean="0"/>
-              <a:t>реагирующие вещества, а	   </a:t>
+              <a:t>      </a:t>
             </a:r>
             <a:r>
               <a:rPr lang="ru-RU" sz="2200" dirty="0" smtClean="0"/>
               <a:t> </a:t>
             </a:r>
             <a:r>
+              <a:rPr lang="en-US" sz="2200" dirty="0" smtClean="0"/>
+              <a:t> </a:t>
+            </a:r>
+            <a:r>
               <a:rPr lang="ru-RU" sz="2200" dirty="0" smtClean="0"/>
-              <a:t>- их стехиометрические коэффициенты</a:t>
+              <a:t> </a:t>
+            </a:r>
+            <a:r>
+              <a:rPr lang="en-US" sz="2200" dirty="0" smtClean="0"/>
+              <a:t>- </a:t>
+            </a:r>
+            <a:r>
+              <a:rPr lang="ru-RU" sz="2200" dirty="0" smtClean="0"/>
+              <a:t> реагирующие </a:t>
+            </a:r>
+            <a:r>
+              <a:rPr lang="ru-RU" sz="2200" dirty="0" smtClean="0"/>
+              <a:t>вещества, </a:t>
+            </a:r>
+            <a:r>
+              <a:rPr lang="ru-RU" sz="2200" dirty="0" smtClean="0"/>
+              <a:t>а </a:t>
+            </a:r>
+            <a:r>
+              <a:rPr lang="ru-RU" sz="2200" dirty="0" smtClean="0"/>
+              <a:t>	    </a:t>
+            </a:r>
+            <a:r>
+              <a:rPr lang="ru-RU" sz="2200" dirty="0" smtClean="0"/>
+              <a:t>  -  их </a:t>
+            </a:r>
+            <a:r>
+              <a:rPr lang="ru-RU" sz="2200" dirty="0" smtClean="0"/>
+              <a:t>стехиометрические коэффициенты</a:t>
             </a:r>
           </a:p>
           <a:p>
@@ -5441,7 +6991,27 @@
             </a:r>
             <a:r>
               <a:rPr lang="ru-RU" sz="2200" dirty="0" smtClean="0"/>
-              <a:t>такой реакции принимается верным закон действующих масс</a:t>
+              <a:t>рассматриваемой</a:t>
+            </a:r>
+            <a:r>
+              <a:rPr lang="ru-RU" sz="2200" dirty="0" smtClean="0"/>
+              <a:t> </a:t>
+            </a:r>
+            <a:r>
+              <a:rPr lang="ru-RU" sz="2200" dirty="0" smtClean="0"/>
+              <a:t>реакции </a:t>
+            </a:r>
+            <a:r>
+              <a:rPr lang="ru-RU" sz="2200" dirty="0" smtClean="0"/>
+              <a:t>выполняется закон </a:t>
+            </a:r>
+            <a:r>
+              <a:rPr lang="ru-RU" sz="2200" dirty="0" smtClean="0"/>
+              <a:t>действующих </a:t>
+            </a:r>
+            <a:r>
+              <a:rPr lang="ru-RU" sz="2200" dirty="0" smtClean="0"/>
+              <a:t>масс </a:t>
             </a:r>
             <a:endParaRPr lang="ru-RU" sz="2200" dirty="0"/>
           </a:p>
@@ -5485,7 +7055,7 @@
         </p:nvSpPr>
         <p:spPr>
           <a:xfrm>
-            <a:off x="642910" y="4500570"/>
+            <a:off x="642910" y="4641187"/>
             <a:ext cx="7858180" cy="430887"/>
           </a:xfrm>
           <a:prstGeom prst="rect">
@@ -5524,7 +7094,7 @@
         </p:blipFill>
         <p:spPr bwMode="auto">
           <a:xfrm>
-            <a:off x="1142976" y="2714620"/>
+            <a:off x="1214414" y="2714620"/>
             <a:ext cx="357190" cy="325440"/>
           </a:xfrm>
           <a:prstGeom prst="rect">
@@ -5550,7 +7120,7 @@
         </p:blipFill>
         <p:spPr bwMode="auto">
           <a:xfrm>
-            <a:off x="5072066" y="2786058"/>
+            <a:off x="5214942" y="2786058"/>
             <a:ext cx="297840" cy="262800"/>
           </a:xfrm>
           <a:prstGeom prst="rect">
@@ -5576,7 +7146,7 @@
         </p:blipFill>
         <p:spPr bwMode="auto">
           <a:xfrm>
-            <a:off x="3929058" y="3857628"/>
+            <a:off x="3929058" y="3967204"/>
             <a:ext cx="1571636" cy="676242"/>
           </a:xfrm>
           <a:prstGeom prst="rect">
@@ -5602,7 +7172,7 @@
         </p:blipFill>
         <p:spPr bwMode="auto">
           <a:xfrm>
-            <a:off x="6143636" y="5143512"/>
+            <a:off x="6143636" y="5214950"/>
             <a:ext cx="500066" cy="287536"/>
           </a:xfrm>
           <a:prstGeom prst="rect">
@@ -5676,8 +7246,8 @@
         </p:nvSpPr>
         <p:spPr>
           <a:xfrm>
-            <a:off x="571472" y="1428736"/>
-            <a:ext cx="8072494" cy="897682"/>
+            <a:off x="571472" y="1643050"/>
+            <a:ext cx="8072494" cy="430887"/>
           </a:xfrm>
           <a:prstGeom prst="rect">
             <a:avLst/>
@@ -5689,12 +7259,6 @@
             <a:spAutoFit/>
           </a:bodyPr>
           <a:lstStyle/>
-          <a:p>
-            <a:r>
-              <a:rPr lang="ru-RU" sz="2200" dirty="0" smtClean="0"/>
-              <a:t>Пусть данное равновесие оказалось нарушено. </a:t>
-            </a:r>
-          </a:p>
           <a:p>
             <a:pPr>
               <a:spcBef>
@@ -5703,7 +7267,31 @@
             </a:pPr>
             <a:r>
               <a:rPr lang="ru-RU" sz="2200" dirty="0" smtClean="0"/>
-              <a:t>Тогда из-за данной реакции концентрации изменяются по закону</a:t>
+              <a:t>Концентрации</a:t>
+            </a:r>
+            <a:r>
+              <a:rPr lang="en-US" sz="2200" dirty="0" smtClean="0"/>
+              <a:t> </a:t>
+            </a:r>
+            <a:r>
+              <a:rPr lang="ru-RU" sz="2200" dirty="0" smtClean="0"/>
+              <a:t>компонент</a:t>
+            </a:r>
+            <a:r>
+              <a:rPr lang="en-US" sz="2200" dirty="0" smtClean="0"/>
+              <a:t> </a:t>
+            </a:r>
+            <a:r>
+              <a:rPr lang="ru-RU" sz="2200" dirty="0" smtClean="0"/>
+              <a:t>данной </a:t>
+            </a:r>
+            <a:r>
+              <a:rPr lang="ru-RU" sz="2200" dirty="0" smtClean="0"/>
+              <a:t>реакции </a:t>
+            </a:r>
+            <a:r>
+              <a:rPr lang="ru-RU" sz="2200" dirty="0" smtClean="0"/>
+              <a:t>изменяются по закону</a:t>
             </a:r>
             <a:endParaRPr lang="ru-RU" sz="2200" dirty="0"/>
           </a:p>
@@ -5717,8 +7305,8 @@
         </p:nvSpPr>
         <p:spPr>
           <a:xfrm>
-            <a:off x="571472" y="2214554"/>
-            <a:ext cx="8143932" cy="1164421"/>
+            <a:off x="571472" y="2071678"/>
+            <a:ext cx="8143932" cy="825867"/>
           </a:xfrm>
           <a:prstGeom prst="rect">
             <a:avLst/>
@@ -5741,7 +7329,11 @@
             </a:pPr>
             <a:r>
               <a:rPr lang="ru-RU" sz="2200" dirty="0" smtClean="0"/>
-              <a:t>где      -  величина, характеризующая глубину реакции, одинаковая для всех участвующих компонент.</a:t>
+              <a:t>где      -  величина, характеризующая глубину </a:t>
+            </a:r>
+            <a:r>
+              <a:rPr lang="ru-RU" sz="2200" dirty="0" smtClean="0"/>
+              <a:t>реакции.</a:t>
             </a:r>
             <a:endParaRPr lang="ru-RU" sz="2200" dirty="0"/>
           </a:p>
@@ -5764,7 +7356,7 @@
         </p:blipFill>
         <p:spPr bwMode="auto">
           <a:xfrm>
-            <a:off x="1142976" y="2643182"/>
+            <a:off x="1142976" y="2500306"/>
             <a:ext cx="168750" cy="324000"/>
           </a:xfrm>
           <a:prstGeom prst="rect">
@@ -5790,7 +7382,7 @@
         </p:blipFill>
         <p:spPr bwMode="auto">
           <a:xfrm>
-            <a:off x="2214546" y="4500570"/>
+            <a:off x="2214546" y="4286256"/>
             <a:ext cx="4429156" cy="1861915"/>
           </a:xfrm>
           <a:prstGeom prst="rect">
@@ -5816,7 +7408,7 @@
         </p:blipFill>
         <p:spPr bwMode="auto">
           <a:xfrm>
-            <a:off x="3643306" y="2285992"/>
+            <a:off x="3643306" y="2143116"/>
             <a:ext cx="1295998" cy="324000"/>
           </a:xfrm>
           <a:prstGeom prst="rect">
@@ -5833,8 +7425,8 @@
         </p:nvSpPr>
         <p:spPr>
           <a:xfrm>
-            <a:off x="571472" y="3357562"/>
-            <a:ext cx="8215370" cy="1600438"/>
+            <a:off x="571472" y="3000372"/>
+            <a:ext cx="8215370" cy="1261884"/>
           </a:xfrm>
           <a:prstGeom prst="rect">
             <a:avLst/>
@@ -5847,9 +7439,22 @@
           </a:bodyPr>
           <a:lstStyle/>
           <a:p>
+            <a:pPr>
+              <a:spcBef>
+                <a:spcPts val="200"/>
+              </a:spcBef>
+            </a:pPr>
             <a:r>
               <a:rPr lang="ru-RU" sz="2200" dirty="0" smtClean="0"/>
-              <a:t>Задача определения нового равновесия заключается в поиске такого значения     </a:t>
+              <a:t>Задача определения </a:t>
+            </a:r>
+            <a:r>
+              <a:rPr lang="ru-RU" sz="2200" dirty="0" smtClean="0"/>
+              <a:t>равновесия </a:t>
+            </a:r>
+            <a:r>
+              <a:rPr lang="ru-RU" sz="2200" dirty="0" smtClean="0"/>
+              <a:t>заключается в поиске такого значения     </a:t>
             </a:r>
             <a:r>
               <a:rPr lang="en-US" sz="2200" dirty="0" smtClean="0"/>
@@ -5861,12 +7466,13 @@
             </a:r>
             <a:r>
               <a:rPr lang="en-US" sz="2200" dirty="0" smtClean="0"/>
-              <a:t>                          </a:t>
+              <a:t>                     </a:t>
             </a:r>
             <a:r>
               <a:rPr lang="ru-RU" sz="2200" dirty="0" smtClean="0"/>
               <a:t>.  </a:t>
             </a:r>
+            <a:endParaRPr lang="ru-RU" sz="2200" dirty="0" smtClean="0"/>
           </a:p>
           <a:p>
             <a:pPr>
@@ -5876,7 +7482,15 @@
             </a:pPr>
             <a:r>
               <a:rPr lang="ru-RU" sz="2200" dirty="0" smtClean="0"/>
-              <a:t>При этом, можно сделать очевидное обобщение на случай нескольких реакций</a:t>
+              <a:t>Обобщение </a:t>
+            </a:r>
+            <a:r>
+              <a:rPr lang="ru-RU" sz="2200" dirty="0" smtClean="0"/>
+              <a:t>на случай нескольких </a:t>
+            </a:r>
+            <a:r>
+              <a:rPr lang="ru-RU" sz="2200" dirty="0" smtClean="0"/>
+              <a:t>реакций</a:t>
             </a:r>
             <a:endParaRPr lang="ru-RU" sz="2200" dirty="0"/>
           </a:p>
@@ -5899,8 +7513,8 @@
         </p:blipFill>
         <p:spPr bwMode="auto">
           <a:xfrm>
-            <a:off x="2643174" y="3714752"/>
-            <a:ext cx="168751" cy="324000"/>
+            <a:off x="1857356" y="3357562"/>
+            <a:ext cx="214314" cy="324000"/>
           </a:xfrm>
           <a:prstGeom prst="rect">
             <a:avLst/>
@@ -5925,7 +7539,7 @@
         </p:blipFill>
         <p:spPr bwMode="auto">
           <a:xfrm>
-            <a:off x="3500430" y="3751558"/>
+            <a:off x="2714612" y="3357562"/>
             <a:ext cx="1266545" cy="324000"/>
           </a:xfrm>
           <a:prstGeom prst="rect">
@@ -5976,18 +7590,23 @@
             <p:ph type="title"/>
           </p:nvPr>
         </p:nvSpPr>
-        <p:spPr/>
+        <p:spPr>
+          <a:xfrm>
+            <a:off x="428596" y="142852"/>
+            <a:ext cx="8229600" cy="1143000"/>
+          </a:xfrm>
+        </p:spPr>
         <p:txBody>
           <a:bodyPr>
-            <a:normAutofit fontScale="90000"/>
+            <a:normAutofit/>
           </a:bodyPr>
           <a:lstStyle/>
           <a:p>
             <a:r>
-              <a:rPr lang="ru-RU" dirty="0" smtClean="0"/>
-              <a:t>Различные записи метода Ньютона</a:t>
-            </a:r>
-            <a:endParaRPr lang="ru-RU" dirty="0"/>
+              <a:rPr lang="ru-RU" sz="3600" dirty="0" smtClean="0"/>
+              <a:t>Метод Ньютона для исходной системы</a:t>
+            </a:r>
+            <a:endParaRPr lang="ru-RU" sz="3600" dirty="0"/>
           </a:p>
         </p:txBody>
       </p:sp>
@@ -6014,8 +7633,16 @@
           <a:lstStyle/>
           <a:p>
             <a:r>
+              <a:rPr lang="ru-RU" sz="3200" dirty="0" smtClean="0"/>
+              <a:t> </a:t>
+            </a:r>
+            <a:r>
+              <a:rPr lang="ru-RU" sz="3200" dirty="0" smtClean="0"/>
+              <a:t>   </a:t>
+            </a:r>
+            <a:r>
               <a:rPr lang="en-US" sz="3200" dirty="0" smtClean="0"/>
-              <a:t>1. </a:t>
+              <a:t> </a:t>
             </a:r>
             <a:r>
               <a:rPr lang="ru-RU" sz="3200" dirty="0" smtClean="0"/>
@@ -6023,7 +7650,11 @@
             </a:r>
             <a:r>
               <a:rPr lang="ru-RU" sz="2200" dirty="0" smtClean="0"/>
-              <a:t>Запишем  систему уравнений в векторной форме</a:t>
+              <a:t>Уравнения </a:t>
+            </a:r>
+            <a:r>
+              <a:rPr lang="ru-RU" sz="2200" dirty="0" smtClean="0"/>
+              <a:t>в векторной форме</a:t>
             </a:r>
             <a:endParaRPr lang="ru-RU" sz="2200" dirty="0"/>
           </a:p>
@@ -6046,7 +7677,7 @@
         </p:blipFill>
         <p:spPr bwMode="auto">
           <a:xfrm>
-            <a:off x="2643174" y="1857364"/>
+            <a:off x="2643174" y="1936004"/>
             <a:ext cx="4143404" cy="349988"/>
           </a:xfrm>
           <a:prstGeom prst="rect">
@@ -6055,36 +7686,6 @@
           <a:noFill/>
         </p:spPr>
       </p:pic>
-      <p:sp>
-        <p:nvSpPr>
-          <p:cNvPr id="8" name="TextBox 7"/>
-          <p:cNvSpPr txBox="1"/>
-          <p:nvPr/>
-        </p:nvSpPr>
-        <p:spPr>
-          <a:xfrm>
-            <a:off x="1142976" y="2500306"/>
-            <a:ext cx="6429420" cy="430887"/>
-          </a:xfrm>
-          <a:prstGeom prst="rect">
-            <a:avLst/>
-          </a:prstGeom>
-          <a:noFill/>
-        </p:spPr>
-        <p:txBody>
-          <a:bodyPr wrap="square" rtlCol="0">
-            <a:spAutoFit/>
-          </a:bodyPr>
-          <a:lstStyle/>
-          <a:p>
-            <a:r>
-              <a:rPr lang="ru-RU" sz="2200" dirty="0" smtClean="0"/>
-              <a:t>Продифференцируем эту функцию по       получим</a:t>
-            </a:r>
-            <a:endParaRPr lang="ru-RU" sz="2200" dirty="0"/>
-          </a:p>
-        </p:txBody>
-      </p:sp>
       <p:pic>
         <p:nvPicPr>
           <p:cNvPr id="9" name="Picture 3" descr="C:\Users\Виктор\Desktop\презентация\кси.bmp"/>
@@ -6128,7 +7729,7 @@
         </p:blipFill>
         <p:spPr bwMode="auto">
           <a:xfrm>
-            <a:off x="3143240" y="2928934"/>
+            <a:off x="3143240" y="2428868"/>
             <a:ext cx="3214710" cy="621330"/>
           </a:xfrm>
           <a:prstGeom prst="rect">
@@ -6154,7 +7755,7 @@
         </p:blipFill>
         <p:spPr bwMode="auto">
           <a:xfrm>
-            <a:off x="1214414" y="4071942"/>
+            <a:off x="1214414" y="3786190"/>
             <a:ext cx="7215238" cy="375058"/>
           </a:xfrm>
           <a:prstGeom prst="rect">
@@ -6171,7 +7772,7 @@
         </p:nvSpPr>
         <p:spPr>
           <a:xfrm>
-            <a:off x="1142976" y="3571876"/>
+            <a:off x="1142976" y="3214686"/>
             <a:ext cx="7072362" cy="430887"/>
           </a:xfrm>
           <a:prstGeom prst="rect">
@@ -6187,7 +7788,19 @@
           <a:p>
             <a:r>
               <a:rPr lang="ru-RU" sz="2200" dirty="0" smtClean="0"/>
-              <a:t>Тогда метод Ньютона для этой системы имеет вид</a:t>
+              <a:t>Метод </a:t>
+            </a:r>
+            <a:r>
+              <a:rPr lang="ru-RU" sz="2200" dirty="0" smtClean="0"/>
+              <a:t>Ньютона для этой </a:t>
+            </a:r>
+            <a:r>
+              <a:rPr lang="ru-RU" sz="2200" dirty="0" smtClean="0"/>
+              <a:t>системы уравнений </a:t>
+            </a:r>
+            <a:r>
+              <a:rPr lang="ru-RU" sz="2200" dirty="0" smtClean="0"/>
+              <a:t>имеет вид</a:t>
             </a:r>
             <a:endParaRPr lang="ru-RU" sz="2200" dirty="0"/>
           </a:p>
@@ -6201,7 +7814,7 @@
         </p:nvSpPr>
         <p:spPr>
           <a:xfrm>
-            <a:off x="1142976" y="4572008"/>
+            <a:off x="1142976" y="4357694"/>
             <a:ext cx="7643866" cy="769441"/>
           </a:xfrm>
           <a:prstGeom prst="rect">
@@ -6217,11 +7830,7 @@
           <a:p>
             <a:r>
               <a:rPr lang="ru-RU" sz="2200" dirty="0" smtClean="0"/>
-              <a:t>Для того чтобы выбрать начальное </a:t>
-            </a:r>
-            <a:r>
-              <a:rPr lang="ru-RU" sz="2200" dirty="0" smtClean="0"/>
-              <a:t>приближение</a:t>
+              <a:t>Для того чтобы выбрать начальное приближение</a:t>
             </a:r>
             <a:r>
               <a:rPr lang="en-US" sz="2200" dirty="0" smtClean="0"/>
@@ -6229,11 +7838,7 @@
             </a:r>
             <a:r>
               <a:rPr lang="ru-RU" sz="2200" dirty="0" smtClean="0"/>
-              <a:t> </a:t>
-            </a:r>
-            <a:r>
-              <a:rPr lang="ru-RU" sz="2200" dirty="0" smtClean="0"/>
-              <a:t>приходится решать систему неравенств                            .</a:t>
+              <a:t> приходится решать систему неравенств                            .</a:t>
             </a:r>
             <a:endParaRPr lang="ru-RU" sz="2200" dirty="0"/>
           </a:p>
@@ -6256,7 +7861,7 @@
         </p:blipFill>
         <p:spPr bwMode="auto">
           <a:xfrm>
-            <a:off x="4714876" y="4929198"/>
+            <a:off x="4714876" y="4714884"/>
             <a:ext cx="1557338" cy="310379"/>
           </a:xfrm>
           <a:prstGeom prst="rect">
@@ -6273,7 +7878,7 @@
         </p:nvSpPr>
         <p:spPr>
           <a:xfrm>
-            <a:off x="1142976" y="5429264"/>
+            <a:off x="1142976" y="5231327"/>
             <a:ext cx="7500990" cy="769441"/>
           </a:xfrm>
           <a:prstGeom prst="rect">
@@ -6289,11 +7894,7 @@
           <a:p>
             <a:r>
               <a:rPr lang="ru-RU" sz="2200" dirty="0" smtClean="0"/>
-              <a:t>Кроме </a:t>
-            </a:r>
-            <a:r>
-              <a:rPr lang="ru-RU" sz="2200" dirty="0" smtClean="0"/>
-              <a:t>того</a:t>
+              <a:t>Кроме того</a:t>
             </a:r>
             <a:r>
               <a:rPr lang="en-US" sz="2200" dirty="0" smtClean="0"/>
@@ -6301,11 +7902,7 @@
             </a:r>
             <a:r>
               <a:rPr lang="ru-RU" sz="2200" dirty="0" smtClean="0"/>
-              <a:t> </a:t>
-            </a:r>
-            <a:r>
-              <a:rPr lang="ru-RU" sz="2200" dirty="0" smtClean="0"/>
-              <a:t>на каждой итерации следует задавать</a:t>
+              <a:t> на каждой итерации следует задавать</a:t>
             </a:r>
             <a:r>
               <a:rPr lang="en-US" sz="2200" dirty="0" smtClean="0"/>
@@ -6348,7 +7945,7 @@
         </p:blipFill>
         <p:spPr bwMode="auto">
           <a:xfrm>
-            <a:off x="7286644" y="5429264"/>
+            <a:off x="7286644" y="5143512"/>
             <a:ext cx="1357322" cy="428628"/>
           </a:xfrm>
           <a:prstGeom prst="rect">
@@ -6402,15 +7999,15 @@
         <p:spPr/>
         <p:txBody>
           <a:bodyPr>
-            <a:normAutofit fontScale="90000"/>
+            <a:noAutofit/>
           </a:bodyPr>
           <a:lstStyle/>
           <a:p>
             <a:r>
-              <a:rPr lang="ru-RU" dirty="0" smtClean="0"/>
-              <a:t>Различные записи метода Ньютона</a:t>
-            </a:r>
-            <a:endParaRPr lang="ru-RU" dirty="0"/>
+              <a:rPr lang="ru-RU" sz="3200" dirty="0" smtClean="0"/>
+              <a:t>Метод Ньютона для расширенной системы</a:t>
+            </a:r>
+            <a:endParaRPr lang="ru-RU" sz="3200" dirty="0"/>
           </a:p>
         </p:txBody>
       </p:sp>
@@ -6437,16 +8034,16 @@
           <a:lstStyle/>
           <a:p>
             <a:r>
-              <a:rPr lang="en-US" sz="3200" dirty="0" smtClean="0"/>
-              <a:t>2. </a:t>
-            </a:r>
-            <a:r>
               <a:rPr lang="ru-RU" sz="3200" dirty="0" smtClean="0"/>
-              <a:t>    </a:t>
+              <a:t>         </a:t>
             </a:r>
             <a:r>
               <a:rPr lang="ru-RU" sz="2200" dirty="0" smtClean="0"/>
-              <a:t>Введём дополнительные переменные</a:t>
+              <a:t>Введём </a:t>
+            </a:r>
+            <a:r>
+              <a:rPr lang="ru-RU" sz="2200" dirty="0" smtClean="0"/>
+              <a:t>дополнительные переменные</a:t>
             </a:r>
             <a:endParaRPr lang="ru-RU" sz="2200" dirty="0"/>
           </a:p>
@@ -6528,7 +8125,11 @@
           <a:p>
             <a:r>
               <a:rPr lang="ru-RU" sz="2200" dirty="0" smtClean="0"/>
-              <a:t>Получим расширенную систему</a:t>
+              <a:t>Получим расширенную </a:t>
+            </a:r>
+            <a:r>
+              <a:rPr lang="ru-RU" sz="2200" dirty="0" smtClean="0"/>
+              <a:t>систему уравнений</a:t>
             </a:r>
             <a:endParaRPr lang="ru-RU" sz="2200" dirty="0"/>
           </a:p>
@@ -6551,7 +8152,7 @@
         </p:blipFill>
         <p:spPr bwMode="auto">
           <a:xfrm>
-            <a:off x="2000232" y="3500438"/>
+            <a:off x="1928794" y="3500438"/>
             <a:ext cx="2840033" cy="313623"/>
           </a:xfrm>
           <a:prstGeom prst="rect">
@@ -6607,7 +8208,7 @@
         </p:blipFill>
         <p:spPr bwMode="auto">
           <a:xfrm>
-            <a:off x="1214414" y="4714884"/>
+            <a:off x="1214414" y="4643446"/>
             <a:ext cx="3450405" cy="766756"/>
           </a:xfrm>
           <a:prstGeom prst="rect">
@@ -6633,7 +8234,7 @@
         </p:blipFill>
         <p:spPr bwMode="auto">
           <a:xfrm>
-            <a:off x="5357818" y="4572008"/>
+            <a:off x="5357818" y="4500570"/>
             <a:ext cx="3250165" cy="1047148"/>
           </a:xfrm>
           <a:prstGeom prst="rect">
@@ -6650,7 +8251,7 @@
         </p:nvSpPr>
         <p:spPr>
           <a:xfrm>
-            <a:off x="1142976" y="4143380"/>
+            <a:off x="1142976" y="4071942"/>
             <a:ext cx="7429552" cy="430887"/>
           </a:xfrm>
           <a:prstGeom prst="rect">
@@ -6666,7 +8267,15 @@
           <a:p>
             <a:r>
               <a:rPr lang="ru-RU" sz="2200" dirty="0" smtClean="0"/>
-              <a:t>При этом метод Ньютона принимает вид</a:t>
+              <a:t>М</a:t>
+            </a:r>
+            <a:r>
+              <a:rPr lang="ru-RU" sz="2200" dirty="0" smtClean="0"/>
+              <a:t>етод </a:t>
+            </a:r>
+            <a:r>
+              <a:rPr lang="ru-RU" sz="2200" dirty="0" smtClean="0"/>
+              <a:t>Ньютона принимает вид</a:t>
             </a:r>
             <a:endParaRPr lang="ru-RU" sz="2200" dirty="0"/>
           </a:p>
@@ -6680,7 +8289,7 @@
         </p:nvSpPr>
         <p:spPr>
           <a:xfrm>
-            <a:off x="1142976" y="5786454"/>
+            <a:off x="1142976" y="5715016"/>
             <a:ext cx="7643866" cy="769441"/>
           </a:xfrm>
           <a:prstGeom prst="rect">
@@ -6694,17 +8303,26 @@
           </a:bodyPr>
           <a:lstStyle/>
           <a:p>
+            <a:pPr algn="just"/>
             <a:r>
               <a:rPr lang="ru-RU" sz="2200" dirty="0" smtClean="0"/>
-              <a:t>В данном случае метод Ньютона сходится с</a:t>
+              <a:t>В данном случае метод Ньютона </a:t>
+            </a:r>
+            <a:r>
+              <a:rPr lang="ru-RU" sz="2200" dirty="0" smtClean="0"/>
+              <a:t>сходится</a:t>
             </a:r>
             <a:r>
               <a:rPr lang="en-US" sz="2200" dirty="0" smtClean="0"/>
-              <a:t>                        </a:t>
+              <a:t> </a:t>
             </a:r>
             <a:r>
               <a:rPr lang="ru-RU" sz="2200" dirty="0" smtClean="0"/>
               <a:t>из любого начального приближения </a:t>
+            </a:r>
+            <a:r>
+              <a:rPr lang="ru-RU" sz="2200" dirty="0" smtClean="0"/>
+              <a:t>с</a:t>
             </a:r>
             <a:endParaRPr lang="ru-RU" sz="2200" dirty="0"/>
           </a:p>
@@ -6727,7 +8345,7 @@
         </p:blipFill>
         <p:spPr bwMode="auto">
           <a:xfrm>
-            <a:off x="6643702" y="5786454"/>
+            <a:off x="4645750" y="6072206"/>
             <a:ext cx="1069258" cy="333357"/>
           </a:xfrm>
           <a:prstGeom prst="rect">
@@ -6873,7 +8491,7 @@
           <a:p>
             <a:r>
               <a:rPr lang="ru-RU" sz="2200" dirty="0" smtClean="0"/>
-              <a:t>Пусть например все начальные концентрации ионов</a:t>
+              <a:t>Пусть, например, все начальные концентрации ионов</a:t>
             </a:r>
             <a:r>
               <a:rPr lang="en-US" sz="2200" dirty="0" smtClean="0"/>
@@ -6895,7 +8513,7 @@
         </p:nvSpPr>
         <p:spPr>
           <a:xfrm>
-            <a:off x="714348" y="4231195"/>
+            <a:off x="714348" y="4302633"/>
             <a:ext cx="7858148" cy="769441"/>
           </a:xfrm>
           <a:prstGeom prst="rect">
@@ -6925,7 +8543,7 @@
         </p:nvSpPr>
         <p:spPr>
           <a:xfrm>
-            <a:off x="714348" y="5231327"/>
+            <a:off x="714348" y="5374203"/>
             <a:ext cx="8429652" cy="769441"/>
           </a:xfrm>
           <a:prstGeom prst="rect">
@@ -6988,7 +8606,7 @@
         </p:blipFill>
         <p:spPr bwMode="auto">
           <a:xfrm>
-            <a:off x="4286248" y="5287386"/>
+            <a:off x="4286248" y="5430262"/>
             <a:ext cx="1428760" cy="284754"/>
           </a:xfrm>
           <a:prstGeom prst="rect">
@@ -7040,7 +8658,7 @@
         </p:blipFill>
         <p:spPr bwMode="auto">
           <a:xfrm>
-            <a:off x="3643306" y="3883715"/>
+            <a:off x="3643306" y="3955153"/>
             <a:ext cx="2357454" cy="331103"/>
           </a:xfrm>
           <a:prstGeom prst="rect">
@@ -7066,7 +8684,7 @@
         </p:blipFill>
         <p:spPr bwMode="auto">
           <a:xfrm>
-            <a:off x="3652830" y="4802902"/>
+            <a:off x="3652830" y="4874340"/>
             <a:ext cx="2286016" cy="340610"/>
           </a:xfrm>
           <a:prstGeom prst="rect">
